--- a/people/People.pptx
+++ b/people/People.pptx
@@ -5,10 +5,11 @@
     <p:sldMasterId id="2147483648" r:id="rId1"/>
   </p:sldMasterIdLst>
   <p:notesMasterIdLst>
-    <p:notesMasterId r:id="rId3"/>
+    <p:notesMasterId r:id="rId4"/>
   </p:notesMasterIdLst>
   <p:sldIdLst>
     <p:sldId id="256" r:id="rId2"/>
+    <p:sldId id="257" r:id="rId3"/>
   </p:sldIdLst>
   <p:sldSz cx="12192000" cy="6858000"/>
   <p:notesSz cx="6858000" cy="9144000"/>
@@ -197,7 +198,7 @@
           <a:p>
             <a:fld id="{8609CB24-F2F5-4D5E-963B-628DC92DC510}" type="datetimeFigureOut">
               <a:rPr lang="es-CO" smtClean="0"/>
-              <a:t>15/06/2020</a:t>
+              <a:t>23/11/2020</a:t>
             </a:fld>
             <a:endParaRPr lang="es-CO"/>
           </a:p>
@@ -549,6 +550,90 @@
 </p:notes>
 </file>
 
+<file path=ppt/notesSlides/notesSlide2.xml><?xml version="1.0" encoding="utf-8"?>
+<p:notes xmlns:a="http://schemas.openxmlformats.org/drawingml/2006/main" xmlns:r="http://schemas.openxmlformats.org/officeDocument/2006/relationships" xmlns:p="http://schemas.openxmlformats.org/presentationml/2006/main">
+  <p:cSld>
+    <p:spTree>
+      <p:nvGrpSpPr>
+        <p:cNvPr id="1" name=""/>
+        <p:cNvGrpSpPr/>
+        <p:nvPr/>
+      </p:nvGrpSpPr>
+      <p:grpSpPr>
+        <a:xfrm>
+          <a:off x="0" y="0"/>
+          <a:ext cx="0" cy="0"/>
+          <a:chOff x="0" y="0"/>
+          <a:chExt cx="0" cy="0"/>
+        </a:xfrm>
+      </p:grpSpPr>
+      <p:sp>
+        <p:nvSpPr>
+          <p:cNvPr id="2" name="Slide Image Placeholder 1"/>
+          <p:cNvSpPr>
+            <a:spLocks noGrp="1" noRot="1" noChangeAspect="1"/>
+          </p:cNvSpPr>
+          <p:nvPr>
+            <p:ph type="sldImg"/>
+          </p:nvPr>
+        </p:nvSpPr>
+        <p:spPr/>
+      </p:sp>
+      <p:sp>
+        <p:nvSpPr>
+          <p:cNvPr id="3" name="Notes Placeholder 2"/>
+          <p:cNvSpPr>
+            <a:spLocks noGrp="1"/>
+          </p:cNvSpPr>
+          <p:nvPr>
+            <p:ph type="body" idx="1"/>
+          </p:nvPr>
+        </p:nvSpPr>
+        <p:spPr/>
+        <p:txBody>
+          <a:bodyPr/>
+          <a:lstStyle/>
+          <a:p>
+            <a:endParaRPr lang="es-CO" dirty="0"/>
+          </a:p>
+        </p:txBody>
+      </p:sp>
+      <p:sp>
+        <p:nvSpPr>
+          <p:cNvPr id="4" name="Slide Number Placeholder 3"/>
+          <p:cNvSpPr>
+            <a:spLocks noGrp="1"/>
+          </p:cNvSpPr>
+          <p:nvPr>
+            <p:ph type="sldNum" sz="quarter" idx="5"/>
+          </p:nvPr>
+        </p:nvSpPr>
+        <p:spPr/>
+        <p:txBody>
+          <a:bodyPr/>
+          <a:lstStyle/>
+          <a:p>
+            <a:fld id="{31DAE332-26AE-49BD-AA4C-437B6C7DB4B2}" type="slidenum">
+              <a:rPr lang="es-CO" smtClean="0"/>
+              <a:t>2</a:t>
+            </a:fld>
+            <a:endParaRPr lang="es-CO"/>
+          </a:p>
+        </p:txBody>
+      </p:sp>
+    </p:spTree>
+    <p:extLst>
+      <p:ext uri="{BB962C8B-B14F-4D97-AF65-F5344CB8AC3E}">
+        <p14:creationId xmlns:p14="http://schemas.microsoft.com/office/powerpoint/2010/main" val="838222387"/>
+      </p:ext>
+    </p:extLst>
+  </p:cSld>
+  <p:clrMapOvr>
+    <a:masterClrMapping/>
+  </p:clrMapOvr>
+</p:notes>
+</file>
+
 <file path=ppt/slideLayouts/slideLayout1.xml><?xml version="1.0" encoding="utf-8"?>
 <p:sldLayout xmlns:a="http://schemas.openxmlformats.org/drawingml/2006/main" xmlns:r="http://schemas.openxmlformats.org/officeDocument/2006/relationships" xmlns:p="http://schemas.openxmlformats.org/presentationml/2006/main" type="title" preserve="1">
   <p:cSld name="Title Slide">
@@ -696,7 +781,7 @@
           <a:p>
             <a:fld id="{EB1D285E-221C-456E-8E0A-8C017E136439}" type="datetimeFigureOut">
               <a:rPr lang="en-US" smtClean="0"/>
-              <a:t>6/15/2020</a:t>
+              <a:t>11/23/2020</a:t>
             </a:fld>
             <a:endParaRPr lang="en-US"/>
           </a:p>
@@ -894,7 +979,7 @@
           <a:p>
             <a:fld id="{EB1D285E-221C-456E-8E0A-8C017E136439}" type="datetimeFigureOut">
               <a:rPr lang="en-US" smtClean="0"/>
-              <a:t>6/15/2020</a:t>
+              <a:t>11/23/2020</a:t>
             </a:fld>
             <a:endParaRPr lang="en-US"/>
           </a:p>
@@ -1102,7 +1187,7 @@
           <a:p>
             <a:fld id="{EB1D285E-221C-456E-8E0A-8C017E136439}" type="datetimeFigureOut">
               <a:rPr lang="en-US" smtClean="0"/>
-              <a:t>6/15/2020</a:t>
+              <a:t>11/23/2020</a:t>
             </a:fld>
             <a:endParaRPr lang="en-US"/>
           </a:p>
@@ -1300,7 +1385,7 @@
           <a:p>
             <a:fld id="{EB1D285E-221C-456E-8E0A-8C017E136439}" type="datetimeFigureOut">
               <a:rPr lang="en-US" smtClean="0"/>
-              <a:t>6/15/2020</a:t>
+              <a:t>11/23/2020</a:t>
             </a:fld>
             <a:endParaRPr lang="en-US"/>
           </a:p>
@@ -1575,7 +1660,7 @@
           <a:p>
             <a:fld id="{EB1D285E-221C-456E-8E0A-8C017E136439}" type="datetimeFigureOut">
               <a:rPr lang="en-US" smtClean="0"/>
-              <a:t>6/15/2020</a:t>
+              <a:t>11/23/2020</a:t>
             </a:fld>
             <a:endParaRPr lang="en-US"/>
           </a:p>
@@ -1840,7 +1925,7 @@
           <a:p>
             <a:fld id="{EB1D285E-221C-456E-8E0A-8C017E136439}" type="datetimeFigureOut">
               <a:rPr lang="en-US" smtClean="0"/>
-              <a:t>6/15/2020</a:t>
+              <a:t>11/23/2020</a:t>
             </a:fld>
             <a:endParaRPr lang="en-US"/>
           </a:p>
@@ -2252,7 +2337,7 @@
           <a:p>
             <a:fld id="{EB1D285E-221C-456E-8E0A-8C017E136439}" type="datetimeFigureOut">
               <a:rPr lang="en-US" smtClean="0"/>
-              <a:t>6/15/2020</a:t>
+              <a:t>11/23/2020</a:t>
             </a:fld>
             <a:endParaRPr lang="en-US"/>
           </a:p>
@@ -2393,7 +2478,7 @@
           <a:p>
             <a:fld id="{EB1D285E-221C-456E-8E0A-8C017E136439}" type="datetimeFigureOut">
               <a:rPr lang="en-US" smtClean="0"/>
-              <a:t>6/15/2020</a:t>
+              <a:t>11/23/2020</a:t>
             </a:fld>
             <a:endParaRPr lang="en-US"/>
           </a:p>
@@ -2506,7 +2591,7 @@
           <a:p>
             <a:fld id="{EB1D285E-221C-456E-8E0A-8C017E136439}" type="datetimeFigureOut">
               <a:rPr lang="en-US" smtClean="0"/>
-              <a:t>6/15/2020</a:t>
+              <a:t>11/23/2020</a:t>
             </a:fld>
             <a:endParaRPr lang="en-US"/>
           </a:p>
@@ -2817,7 +2902,7 @@
           <a:p>
             <a:fld id="{EB1D285E-221C-456E-8E0A-8C017E136439}" type="datetimeFigureOut">
               <a:rPr lang="en-US" smtClean="0"/>
-              <a:t>6/15/2020</a:t>
+              <a:t>11/23/2020</a:t>
             </a:fld>
             <a:endParaRPr lang="en-US"/>
           </a:p>
@@ -3105,7 +3190,7 @@
           <a:p>
             <a:fld id="{EB1D285E-221C-456E-8E0A-8C017E136439}" type="datetimeFigureOut">
               <a:rPr lang="en-US" smtClean="0"/>
-              <a:t>6/15/2020</a:t>
+              <a:t>11/23/2020</a:t>
             </a:fld>
             <a:endParaRPr lang="en-US"/>
           </a:p>
@@ -3346,7 +3431,7 @@
           <a:p>
             <a:fld id="{EB1D285E-221C-456E-8E0A-8C017E136439}" type="datetimeFigureOut">
               <a:rPr lang="en-US" smtClean="0"/>
-              <a:t>6/15/2020</a:t>
+              <a:t>11/23/2020</a:t>
             </a:fld>
             <a:endParaRPr lang="en-US"/>
           </a:p>
@@ -3837,7 +3922,7 @@
         <p:spPr>
           <a:xfrm>
             <a:off x="1101255" y="548640"/>
-            <a:ext cx="1470991" cy="365760"/>
+            <a:ext cx="1546029" cy="365760"/>
           </a:xfrm>
           <a:prstGeom prst="rect">
             <a:avLst/>
@@ -3868,7 +3953,7 @@
           </a:p>
           <a:p>
             <a:r>
-              <a:rPr lang="en-US" sz="2400" b="1" dirty="0" err="1">
+              <a:rPr lang="en-US" sz="2400" b="1" dirty="0">
                 <a:ln w="3175">
                   <a:solidFill>
                     <a:schemeClr val="tx1"/>
@@ -3880,7 +3965,7 @@
                 <a:latin typeface="+mj-lt"/>
                 <a:ea typeface="Cambria Math" panose="02040503050406030204" pitchFamily="18" charset="0"/>
               </a:rPr>
-              <a:t>Conections</a:t>
+              <a:t>Connections</a:t>
             </a:r>
             <a:endParaRPr lang="en-US" sz="2400" dirty="0">
               <a:latin typeface="+mj-lt"/>
@@ -4907,7 +4992,7 @@
           <a:p>
             <a:pPr algn="ctr"/>
             <a:r>
-              <a:rPr lang="en-US" sz="1600" dirty="0">
+              <a:rPr lang="en-US" sz="1600" spc="-10" dirty="0">
                 <a:ln w="9525">
                   <a:solidFill>
                     <a:srgbClr val="B3A369"/>
@@ -4925,7 +5010,7 @@
           <a:p>
             <a:pPr algn="ctr"/>
             <a:r>
-              <a:rPr lang="en-US" sz="1600" dirty="0">
+              <a:rPr lang="en-US" sz="1600" spc="-10" dirty="0">
                 <a:ln w="9525">
                   <a:solidFill>
                     <a:srgbClr val="B3A369"/>
@@ -4937,7 +5022,7 @@
                 <a:latin typeface="+mj-lt"/>
                 <a:ea typeface="Cambria Math" panose="02040503050406030204" pitchFamily="18" charset="0"/>
               </a:rPr>
-              <a:t>Chemistry &amp; Chemistry</a:t>
+              <a:t>Chemistry &amp; Biochemistry</a:t>
             </a:r>
           </a:p>
         </p:txBody>
@@ -7505,10 +7590,4248 @@
           </a:p>
         </p:txBody>
       </p:sp>
+      <p:sp>
+        <p:nvSpPr>
+          <p:cNvPr id="91" name="Oval 90">
+            <a:extLst>
+              <a:ext uri="{FF2B5EF4-FFF2-40B4-BE49-F238E27FC236}">
+                <a16:creationId xmlns:a16="http://schemas.microsoft.com/office/drawing/2014/main" id="{A7D08545-2DE7-414D-9DE7-40A3ED2465CE}"/>
+              </a:ext>
+            </a:extLst>
+          </p:cNvPr>
+          <p:cNvSpPr/>
+          <p:nvPr/>
+        </p:nvSpPr>
+        <p:spPr>
+          <a:xfrm>
+            <a:off x="5515822" y="4764024"/>
+            <a:ext cx="731520" cy="731520"/>
+          </a:xfrm>
+          <a:prstGeom prst="ellipse">
+            <a:avLst/>
+          </a:prstGeom>
+          <a:blipFill>
+            <a:blip r:embed="rId34"/>
+            <a:stretch>
+              <a:fillRect/>
+            </a:stretch>
+          </a:blipFill>
+          <a:ln>
+            <a:solidFill>
+              <a:schemeClr val="tx1"/>
+            </a:solidFill>
+          </a:ln>
+        </p:spPr>
+        <p:style>
+          <a:lnRef idx="2">
+            <a:schemeClr val="accent1">
+              <a:shade val="50000"/>
+            </a:schemeClr>
+          </a:lnRef>
+          <a:fillRef idx="1">
+            <a:schemeClr val="accent1"/>
+          </a:fillRef>
+          <a:effectRef idx="0">
+            <a:schemeClr val="accent1"/>
+          </a:effectRef>
+          <a:fontRef idx="minor">
+            <a:schemeClr val="lt1"/>
+          </a:fontRef>
+        </p:style>
+        <p:txBody>
+          <a:bodyPr rtlCol="0" anchor="ctr"/>
+          <a:lstStyle/>
+          <a:p>
+            <a:pPr algn="ctr"/>
+            <a:endParaRPr lang="en-US">
+              <a:latin typeface="+mj-lt"/>
+            </a:endParaRPr>
+          </a:p>
+        </p:txBody>
+      </p:sp>
+      <p:sp>
+        <p:nvSpPr>
+          <p:cNvPr id="92" name="TextBox 91">
+            <a:extLst>
+              <a:ext uri="{FF2B5EF4-FFF2-40B4-BE49-F238E27FC236}">
+                <a16:creationId xmlns:a16="http://schemas.microsoft.com/office/drawing/2014/main" id="{3F98B48E-1BAE-4B1F-9919-2B13E7558B71}"/>
+              </a:ext>
+            </a:extLst>
+          </p:cNvPr>
+          <p:cNvSpPr txBox="1"/>
+          <p:nvPr/>
+        </p:nvSpPr>
+        <p:spPr>
+          <a:xfrm>
+            <a:off x="5367528" y="5440680"/>
+            <a:ext cx="982984" cy="274320"/>
+          </a:xfrm>
+          <a:prstGeom prst="rect">
+            <a:avLst/>
+          </a:prstGeom>
+          <a:noFill/>
+        </p:spPr>
+        <p:txBody>
+          <a:bodyPr wrap="square" lIns="0" tIns="0" rIns="0" bIns="0" rtlCol="0" anchor="ctr">
+            <a:noAutofit/>
+          </a:bodyPr>
+          <a:lstStyle/>
+          <a:p>
+            <a:pPr algn="ctr"/>
+            <a:r>
+              <a:rPr lang="en-US" sz="1200" spc="-50" dirty="0">
+                <a:latin typeface="+mj-lt"/>
+                <a:ea typeface="Cambria Math" panose="02040503050406030204" pitchFamily="18" charset="0"/>
+              </a:rPr>
+              <a:t>C.I. </a:t>
+            </a:r>
+            <a:r>
+              <a:rPr lang="en-US" sz="1200" spc="-50" dirty="0" err="1">
+                <a:latin typeface="+mj-lt"/>
+                <a:ea typeface="Cambria Math" panose="02040503050406030204" pitchFamily="18" charset="0"/>
+              </a:rPr>
+              <a:t>Víquez</a:t>
+            </a:r>
+            <a:r>
+              <a:rPr lang="en-US" sz="1200" spc="-50" dirty="0">
+                <a:latin typeface="+mj-lt"/>
+                <a:ea typeface="Cambria Math" panose="02040503050406030204" pitchFamily="18" charset="0"/>
+              </a:rPr>
+              <a:t> Rojas</a:t>
+            </a:r>
+          </a:p>
+        </p:txBody>
+      </p:sp>
+      <p:pic>
+        <p:nvPicPr>
+          <p:cNvPr id="3" name="Picture 2" descr="A picture containing shape&#10;&#10;Description automatically generated">
+            <a:extLst>
+              <a:ext uri="{FF2B5EF4-FFF2-40B4-BE49-F238E27FC236}">
+                <a16:creationId xmlns:a16="http://schemas.microsoft.com/office/drawing/2014/main" id="{9667C57F-72A4-4EBF-A624-FD4EDD222817}"/>
+              </a:ext>
+            </a:extLst>
+          </p:cNvPr>
+          <p:cNvPicPr>
+            <a:picLocks noChangeAspect="1"/>
+          </p:cNvPicPr>
+          <p:nvPr/>
+        </p:nvPicPr>
+        <p:blipFill>
+          <a:blip r:embed="rId35">
+            <a:extLst>
+              <a:ext uri="{28A0092B-C50C-407E-A947-70E740481C1C}">
+                <a14:useLocalDpi xmlns:a14="http://schemas.microsoft.com/office/drawing/2010/main" val="0"/>
+              </a:ext>
+            </a:extLst>
+          </a:blip>
+          <a:stretch>
+            <a:fillRect/>
+          </a:stretch>
+        </p:blipFill>
+        <p:spPr>
+          <a:xfrm>
+            <a:off x="9784080" y="489324"/>
+            <a:ext cx="1371600" cy="1375618"/>
+          </a:xfrm>
+          <a:prstGeom prst="rect">
+            <a:avLst/>
+          </a:prstGeom>
+        </p:spPr>
+      </p:pic>
+      <p:sp>
+        <p:nvSpPr>
+          <p:cNvPr id="96" name="Oval 95">
+            <a:extLst>
+              <a:ext uri="{FF2B5EF4-FFF2-40B4-BE49-F238E27FC236}">
+                <a16:creationId xmlns:a16="http://schemas.microsoft.com/office/drawing/2014/main" id="{83F8B0BB-F85B-4531-AC80-AA295EC13544}"/>
+              </a:ext>
+            </a:extLst>
+          </p:cNvPr>
+          <p:cNvSpPr/>
+          <p:nvPr/>
+        </p:nvSpPr>
+        <p:spPr>
+          <a:xfrm>
+            <a:off x="11227448" y="811373"/>
+            <a:ext cx="731520" cy="731520"/>
+          </a:xfrm>
+          <a:prstGeom prst="ellipse">
+            <a:avLst/>
+          </a:prstGeom>
+          <a:blipFill>
+            <a:blip r:embed="rId36"/>
+            <a:stretch>
+              <a:fillRect/>
+            </a:stretch>
+          </a:blipFill>
+          <a:ln>
+            <a:solidFill>
+              <a:schemeClr val="tx1"/>
+            </a:solidFill>
+          </a:ln>
+        </p:spPr>
+        <p:style>
+          <a:lnRef idx="2">
+            <a:schemeClr val="accent1">
+              <a:shade val="50000"/>
+            </a:schemeClr>
+          </a:lnRef>
+          <a:fillRef idx="1">
+            <a:schemeClr val="accent1"/>
+          </a:fillRef>
+          <a:effectRef idx="0">
+            <a:schemeClr val="accent1"/>
+          </a:effectRef>
+          <a:fontRef idx="minor">
+            <a:schemeClr val="lt1"/>
+          </a:fontRef>
+        </p:style>
+        <p:txBody>
+          <a:bodyPr rtlCol="0" anchor="ctr"/>
+          <a:lstStyle/>
+          <a:p>
+            <a:pPr algn="ctr"/>
+            <a:endParaRPr lang="en-US">
+              <a:latin typeface="+mj-lt"/>
+            </a:endParaRPr>
+          </a:p>
+        </p:txBody>
+      </p:sp>
+      <p:sp>
+        <p:nvSpPr>
+          <p:cNvPr id="97" name="TextBox 96">
+            <a:extLst>
+              <a:ext uri="{FF2B5EF4-FFF2-40B4-BE49-F238E27FC236}">
+                <a16:creationId xmlns:a16="http://schemas.microsoft.com/office/drawing/2014/main" id="{ED4A73B9-2EE6-4E2B-B4EE-F54E153EAC21}"/>
+              </a:ext>
+            </a:extLst>
+          </p:cNvPr>
+          <p:cNvSpPr txBox="1"/>
+          <p:nvPr/>
+        </p:nvSpPr>
+        <p:spPr>
+          <a:xfrm>
+            <a:off x="11101716" y="1503083"/>
+            <a:ext cx="982984" cy="274320"/>
+          </a:xfrm>
+          <a:prstGeom prst="rect">
+            <a:avLst/>
+          </a:prstGeom>
+          <a:noFill/>
+        </p:spPr>
+        <p:txBody>
+          <a:bodyPr wrap="square" lIns="0" tIns="0" rIns="0" bIns="0" rtlCol="0" anchor="ctr">
+            <a:noAutofit/>
+          </a:bodyPr>
+          <a:lstStyle/>
+          <a:p>
+            <a:pPr algn="ctr"/>
+            <a:r>
+              <a:rPr lang="en-US" sz="1200" spc="-50" dirty="0">
+                <a:latin typeface="+mj-lt"/>
+                <a:ea typeface="Cambria Math" panose="02040503050406030204" pitchFamily="18" charset="0"/>
+              </a:rPr>
+              <a:t>Adam J. Gormley</a:t>
+            </a:r>
+          </a:p>
+        </p:txBody>
+      </p:sp>
+      <p:sp>
+        <p:nvSpPr>
+          <p:cNvPr id="99" name="Oval 98">
+            <a:extLst>
+              <a:ext uri="{FF2B5EF4-FFF2-40B4-BE49-F238E27FC236}">
+                <a16:creationId xmlns:a16="http://schemas.microsoft.com/office/drawing/2014/main" id="{E35A0C82-347A-4ACA-9902-D2791CD117CA}"/>
+              </a:ext>
+            </a:extLst>
+          </p:cNvPr>
+          <p:cNvSpPr/>
+          <p:nvPr/>
+        </p:nvSpPr>
+        <p:spPr>
+          <a:xfrm>
+            <a:off x="10930429" y="61360"/>
+            <a:ext cx="731520" cy="731520"/>
+          </a:xfrm>
+          <a:prstGeom prst="ellipse">
+            <a:avLst/>
+          </a:prstGeom>
+          <a:blipFill>
+            <a:blip r:embed="rId37"/>
+            <a:stretch>
+              <a:fillRect/>
+            </a:stretch>
+          </a:blipFill>
+          <a:ln>
+            <a:solidFill>
+              <a:schemeClr val="tx1"/>
+            </a:solidFill>
+          </a:ln>
+        </p:spPr>
+        <p:style>
+          <a:lnRef idx="2">
+            <a:schemeClr val="accent1">
+              <a:shade val="50000"/>
+            </a:schemeClr>
+          </a:lnRef>
+          <a:fillRef idx="1">
+            <a:schemeClr val="accent1"/>
+          </a:fillRef>
+          <a:effectRef idx="0">
+            <a:schemeClr val="accent1"/>
+          </a:effectRef>
+          <a:fontRef idx="minor">
+            <a:schemeClr val="lt1"/>
+          </a:fontRef>
+        </p:style>
+        <p:txBody>
+          <a:bodyPr rtlCol="0" anchor="ctr"/>
+          <a:lstStyle/>
+          <a:p>
+            <a:pPr algn="ctr"/>
+            <a:endParaRPr lang="en-US">
+              <a:latin typeface="+mj-lt"/>
+            </a:endParaRPr>
+          </a:p>
+        </p:txBody>
+      </p:sp>
+      <p:sp>
+        <p:nvSpPr>
+          <p:cNvPr id="100" name="TextBox 99">
+            <a:extLst>
+              <a:ext uri="{FF2B5EF4-FFF2-40B4-BE49-F238E27FC236}">
+                <a16:creationId xmlns:a16="http://schemas.microsoft.com/office/drawing/2014/main" id="{B65F6495-CCF6-480C-8DE1-090F78874071}"/>
+              </a:ext>
+            </a:extLst>
+          </p:cNvPr>
+          <p:cNvSpPr txBox="1"/>
+          <p:nvPr/>
+        </p:nvSpPr>
+        <p:spPr>
+          <a:xfrm>
+            <a:off x="10454788" y="77587"/>
+            <a:ext cx="729604" cy="274320"/>
+          </a:xfrm>
+          <a:prstGeom prst="rect">
+            <a:avLst/>
+          </a:prstGeom>
+          <a:noFill/>
+        </p:spPr>
+        <p:txBody>
+          <a:bodyPr wrap="square" lIns="0" tIns="0" rIns="0" bIns="0" rtlCol="0" anchor="ctr">
+            <a:noAutofit/>
+          </a:bodyPr>
+          <a:lstStyle/>
+          <a:p>
+            <a:r>
+              <a:rPr lang="en-US" sz="1200" spc="-50" dirty="0">
+                <a:latin typeface="+mj-lt"/>
+                <a:ea typeface="Cambria Math" panose="02040503050406030204" pitchFamily="18" charset="0"/>
+              </a:rPr>
+              <a:t>Matthew </a:t>
+            </a:r>
+            <a:r>
+              <a:rPr lang="en-US" sz="1200" spc="-50" dirty="0" err="1">
+                <a:latin typeface="+mj-lt"/>
+                <a:ea typeface="Cambria Math" panose="02040503050406030204" pitchFamily="18" charset="0"/>
+              </a:rPr>
+              <a:t>Tamasi</a:t>
+            </a:r>
+            <a:endParaRPr lang="en-US" sz="1200" spc="-50" dirty="0">
+              <a:latin typeface="+mj-lt"/>
+              <a:ea typeface="Cambria Math" panose="02040503050406030204" pitchFamily="18" charset="0"/>
+            </a:endParaRPr>
+          </a:p>
+        </p:txBody>
+      </p:sp>
     </p:spTree>
     <p:extLst>
       <p:ext uri="{BB962C8B-B14F-4D97-AF65-F5344CB8AC3E}">
         <p14:creationId xmlns:p14="http://schemas.microsoft.com/office/powerpoint/2010/main" val="1793519644"/>
+      </p:ext>
+    </p:extLst>
+  </p:cSld>
+  <p:clrMapOvr>
+    <a:masterClrMapping/>
+  </p:clrMapOvr>
+</p:sld>
+</file>
+
+<file path=ppt/slides/slide2.xml><?xml version="1.0" encoding="utf-8"?>
+<p:sld xmlns:a="http://schemas.openxmlformats.org/drawingml/2006/main" xmlns:r="http://schemas.openxmlformats.org/officeDocument/2006/relationships" xmlns:p="http://schemas.openxmlformats.org/presentationml/2006/main">
+  <p:cSld>
+    <p:spTree>
+      <p:nvGrpSpPr>
+        <p:cNvPr id="1" name=""/>
+        <p:cNvGrpSpPr/>
+        <p:nvPr/>
+      </p:nvGrpSpPr>
+      <p:grpSpPr>
+        <a:xfrm>
+          <a:off x="0" y="0"/>
+          <a:ext cx="0" cy="0"/>
+          <a:chOff x="0" y="0"/>
+          <a:chExt cx="0" cy="0"/>
+        </a:xfrm>
+      </p:grpSpPr>
+      <p:sp>
+        <p:nvSpPr>
+          <p:cNvPr id="78" name="Oval 77">
+            <a:extLst>
+              <a:ext uri="{FF2B5EF4-FFF2-40B4-BE49-F238E27FC236}">
+                <a16:creationId xmlns:a16="http://schemas.microsoft.com/office/drawing/2014/main" id="{4277D038-9A8D-4D12-9196-38663A28C6F7}"/>
+              </a:ext>
+            </a:extLst>
+          </p:cNvPr>
+          <p:cNvSpPr/>
+          <p:nvPr/>
+        </p:nvSpPr>
+        <p:spPr>
+          <a:xfrm>
+            <a:off x="7234651" y="4219674"/>
+            <a:ext cx="731520" cy="731520"/>
+          </a:xfrm>
+          <a:prstGeom prst="ellipse">
+            <a:avLst/>
+          </a:prstGeom>
+          <a:blipFill>
+            <a:blip r:embed="rId3"/>
+            <a:stretch>
+              <a:fillRect/>
+            </a:stretch>
+          </a:blipFill>
+          <a:ln>
+            <a:solidFill>
+              <a:schemeClr val="tx1"/>
+            </a:solidFill>
+          </a:ln>
+        </p:spPr>
+        <p:style>
+          <a:lnRef idx="2">
+            <a:schemeClr val="accent1">
+              <a:shade val="50000"/>
+            </a:schemeClr>
+          </a:lnRef>
+          <a:fillRef idx="1">
+            <a:schemeClr val="accent1"/>
+          </a:fillRef>
+          <a:effectRef idx="0">
+            <a:schemeClr val="accent1"/>
+          </a:effectRef>
+          <a:fontRef idx="minor">
+            <a:schemeClr val="lt1"/>
+          </a:fontRef>
+        </p:style>
+        <p:txBody>
+          <a:bodyPr rtlCol="0" anchor="ctr"/>
+          <a:lstStyle/>
+          <a:p>
+            <a:pPr algn="ctr"/>
+            <a:endParaRPr lang="en-US">
+              <a:latin typeface="+mj-lt"/>
+            </a:endParaRPr>
+          </a:p>
+        </p:txBody>
+      </p:sp>
+      <p:sp>
+        <p:nvSpPr>
+          <p:cNvPr id="6" name="TextBox 5">
+            <a:extLst>
+              <a:ext uri="{FF2B5EF4-FFF2-40B4-BE49-F238E27FC236}">
+                <a16:creationId xmlns:a16="http://schemas.microsoft.com/office/drawing/2014/main" id="{423BA729-1F65-4D18-8779-0BE330C8D4B8}"/>
+              </a:ext>
+            </a:extLst>
+          </p:cNvPr>
+          <p:cNvSpPr txBox="1"/>
+          <p:nvPr/>
+        </p:nvSpPr>
+        <p:spPr>
+          <a:xfrm>
+            <a:off x="1101255" y="548640"/>
+            <a:ext cx="1496663" cy="365760"/>
+          </a:xfrm>
+          <a:prstGeom prst="rect">
+            <a:avLst/>
+          </a:prstGeom>
+          <a:noFill/>
+        </p:spPr>
+        <p:txBody>
+          <a:bodyPr wrap="square" lIns="0" tIns="0" rIns="0" bIns="0" rtlCol="0" anchor="ctr">
+            <a:noAutofit/>
+          </a:bodyPr>
+          <a:lstStyle/>
+          <a:p>
+            <a:r>
+              <a:rPr lang="en-US" sz="2400" b="1" dirty="0">
+                <a:ln w="3175">
+                  <a:solidFill>
+                    <a:schemeClr val="tx1"/>
+                  </a:solidFill>
+                </a:ln>
+                <a:solidFill>
+                  <a:srgbClr val="F58026"/>
+                </a:solidFill>
+                <a:latin typeface="+mj-lt"/>
+                <a:ea typeface="Cambria Math" panose="02040503050406030204" pitchFamily="18" charset="0"/>
+              </a:rPr>
+              <a:t>Scientific</a:t>
+            </a:r>
+          </a:p>
+          <a:p>
+            <a:r>
+              <a:rPr lang="en-US" sz="2400" b="1" dirty="0">
+                <a:ln w="3175">
+                  <a:solidFill>
+                    <a:schemeClr val="tx1"/>
+                  </a:solidFill>
+                </a:ln>
+                <a:solidFill>
+                  <a:srgbClr val="F58026"/>
+                </a:solidFill>
+                <a:latin typeface="+mj-lt"/>
+                <a:ea typeface="Cambria Math" panose="02040503050406030204" pitchFamily="18" charset="0"/>
+              </a:rPr>
+              <a:t>Connections</a:t>
+            </a:r>
+            <a:endParaRPr lang="en-US" sz="2400" dirty="0">
+              <a:latin typeface="+mj-lt"/>
+              <a:ea typeface="Cambria Math" panose="02040503050406030204" pitchFamily="18" charset="0"/>
+            </a:endParaRPr>
+          </a:p>
+        </p:txBody>
+      </p:sp>
+      <p:cxnSp>
+        <p:nvCxnSpPr>
+          <p:cNvPr id="8" name="Straight Arrow Connector 7">
+            <a:extLst>
+              <a:ext uri="{FF2B5EF4-FFF2-40B4-BE49-F238E27FC236}">
+                <a16:creationId xmlns:a16="http://schemas.microsoft.com/office/drawing/2014/main" id="{B9ADBF65-0AE3-4923-B122-426BB9E9C3B8}"/>
+              </a:ext>
+            </a:extLst>
+          </p:cNvPr>
+          <p:cNvCxnSpPr/>
+          <p:nvPr/>
+        </p:nvCxnSpPr>
+        <p:spPr>
+          <a:xfrm>
+            <a:off x="274320" y="6172200"/>
+            <a:ext cx="11640312" cy="0"/>
+          </a:xfrm>
+          <a:prstGeom prst="straightConnector1">
+            <a:avLst/>
+          </a:prstGeom>
+          <a:ln w="25400" cap="rnd">
+            <a:solidFill>
+              <a:schemeClr val="tx1"/>
+            </a:solidFill>
+            <a:headEnd w="lg" len="lg"/>
+            <a:tailEnd type="stealth" w="lg" len="lg"/>
+          </a:ln>
+        </p:spPr>
+        <p:style>
+          <a:lnRef idx="1">
+            <a:schemeClr val="accent1"/>
+          </a:lnRef>
+          <a:fillRef idx="0">
+            <a:schemeClr val="accent1"/>
+          </a:fillRef>
+          <a:effectRef idx="0">
+            <a:schemeClr val="accent1"/>
+          </a:effectRef>
+          <a:fontRef idx="minor">
+            <a:schemeClr val="tx1"/>
+          </a:fontRef>
+        </p:style>
+      </p:cxnSp>
+      <p:pic>
+        <p:nvPicPr>
+          <p:cNvPr id="9" name="Picture 8">
+            <a:extLst>
+              <a:ext uri="{FF2B5EF4-FFF2-40B4-BE49-F238E27FC236}">
+                <a16:creationId xmlns:a16="http://schemas.microsoft.com/office/drawing/2014/main" id="{721FBFDE-D8B5-4CAC-850C-B9FE5DB8FE90}"/>
+              </a:ext>
+            </a:extLst>
+          </p:cNvPr>
+          <p:cNvPicPr>
+            <a:picLocks noChangeAspect="1"/>
+          </p:cNvPicPr>
+          <p:nvPr/>
+        </p:nvPicPr>
+        <p:blipFill>
+          <a:blip r:embed="rId4"/>
+          <a:stretch>
+            <a:fillRect/>
+          </a:stretch>
+        </p:blipFill>
+        <p:spPr>
+          <a:xfrm>
+            <a:off x="365760" y="2429369"/>
+            <a:ext cx="1371600" cy="1997767"/>
+          </a:xfrm>
+          <a:prstGeom prst="rect">
+            <a:avLst/>
+          </a:prstGeom>
+        </p:spPr>
+      </p:pic>
+      <p:sp>
+        <p:nvSpPr>
+          <p:cNvPr id="10" name="Oval 9">
+            <a:extLst>
+              <a:ext uri="{FF2B5EF4-FFF2-40B4-BE49-F238E27FC236}">
+                <a16:creationId xmlns:a16="http://schemas.microsoft.com/office/drawing/2014/main" id="{D299D604-213D-4A04-97ED-B3077B1C5EE7}"/>
+              </a:ext>
+            </a:extLst>
+          </p:cNvPr>
+          <p:cNvSpPr/>
+          <p:nvPr/>
+        </p:nvSpPr>
+        <p:spPr>
+          <a:xfrm>
+            <a:off x="365760" y="4572000"/>
+            <a:ext cx="731520" cy="731520"/>
+          </a:xfrm>
+          <a:prstGeom prst="ellipse">
+            <a:avLst/>
+          </a:prstGeom>
+          <a:blipFill>
+            <a:blip r:embed="rId5"/>
+            <a:stretch>
+              <a:fillRect/>
+            </a:stretch>
+          </a:blipFill>
+          <a:ln>
+            <a:solidFill>
+              <a:schemeClr val="tx1"/>
+            </a:solidFill>
+          </a:ln>
+        </p:spPr>
+        <p:style>
+          <a:lnRef idx="2">
+            <a:schemeClr val="accent1">
+              <a:shade val="50000"/>
+            </a:schemeClr>
+          </a:lnRef>
+          <a:fillRef idx="1">
+            <a:schemeClr val="accent1"/>
+          </a:fillRef>
+          <a:effectRef idx="0">
+            <a:schemeClr val="accent1"/>
+          </a:effectRef>
+          <a:fontRef idx="minor">
+            <a:schemeClr val="lt1"/>
+          </a:fontRef>
+        </p:style>
+        <p:txBody>
+          <a:bodyPr rtlCol="0" anchor="ctr"/>
+          <a:lstStyle/>
+          <a:p>
+            <a:pPr algn="ctr"/>
+            <a:endParaRPr lang="en-US">
+              <a:latin typeface="+mj-lt"/>
+            </a:endParaRPr>
+          </a:p>
+        </p:txBody>
+      </p:sp>
+      <p:sp>
+        <p:nvSpPr>
+          <p:cNvPr id="11" name="TextBox 10">
+            <a:extLst>
+              <a:ext uri="{FF2B5EF4-FFF2-40B4-BE49-F238E27FC236}">
+                <a16:creationId xmlns:a16="http://schemas.microsoft.com/office/drawing/2014/main" id="{5E09B138-6AE9-4D40-9519-4EA27D2058E5}"/>
+              </a:ext>
+            </a:extLst>
+          </p:cNvPr>
+          <p:cNvSpPr txBox="1"/>
+          <p:nvPr/>
+        </p:nvSpPr>
+        <p:spPr>
+          <a:xfrm>
+            <a:off x="365760" y="6217920"/>
+            <a:ext cx="1371600" cy="274320"/>
+          </a:xfrm>
+          <a:prstGeom prst="rect">
+            <a:avLst/>
+          </a:prstGeom>
+          <a:noFill/>
+        </p:spPr>
+        <p:txBody>
+          <a:bodyPr wrap="square" lIns="0" tIns="0" rIns="0" bIns="0" rtlCol="0" anchor="t">
+            <a:noAutofit/>
+          </a:bodyPr>
+          <a:lstStyle/>
+          <a:p>
+            <a:pPr algn="ctr"/>
+            <a:r>
+              <a:rPr lang="en-US" sz="1600" b="1" dirty="0">
+                <a:ln w="9525">
+                  <a:solidFill>
+                    <a:srgbClr val="BF1F1D"/>
+                  </a:solidFill>
+                </a:ln>
+                <a:solidFill>
+                  <a:schemeClr val="bg1"/>
+                </a:solidFill>
+                <a:effectLst>
+                  <a:outerShdw blurRad="38100" dist="38100" dir="2700000" algn="tl">
+                    <a:srgbClr val="000000">
+                      <a:alpha val="43137"/>
+                    </a:srgbClr>
+                  </a:outerShdw>
+                </a:effectLst>
+                <a:latin typeface="+mj-lt"/>
+                <a:ea typeface="Cambria Math" panose="02040503050406030204" pitchFamily="18" charset="0"/>
+              </a:rPr>
+              <a:t>2004 – 2009</a:t>
+            </a:r>
+          </a:p>
+        </p:txBody>
+      </p:sp>
+      <p:sp>
+        <p:nvSpPr>
+          <p:cNvPr id="12" name="TextBox 11">
+            <a:extLst>
+              <a:ext uri="{FF2B5EF4-FFF2-40B4-BE49-F238E27FC236}">
+                <a16:creationId xmlns:a16="http://schemas.microsoft.com/office/drawing/2014/main" id="{20A5ADCC-DA4F-4284-A91E-59E34EBE945F}"/>
+              </a:ext>
+            </a:extLst>
+          </p:cNvPr>
+          <p:cNvSpPr txBox="1"/>
+          <p:nvPr/>
+        </p:nvSpPr>
+        <p:spPr>
+          <a:xfrm>
+            <a:off x="320040" y="5852160"/>
+            <a:ext cx="1463040" cy="274320"/>
+          </a:xfrm>
+          <a:prstGeom prst="rect">
+            <a:avLst/>
+          </a:prstGeom>
+          <a:noFill/>
+        </p:spPr>
+        <p:txBody>
+          <a:bodyPr wrap="square" lIns="0" tIns="0" rIns="0" bIns="0" rtlCol="0" anchor="b">
+            <a:noAutofit/>
+          </a:bodyPr>
+          <a:lstStyle/>
+          <a:p>
+            <a:pPr algn="ctr"/>
+            <a:r>
+              <a:rPr lang="en-US" sz="1600" dirty="0">
+                <a:ln w="9525">
+                  <a:solidFill>
+                    <a:srgbClr val="BF1F1D"/>
+                  </a:solidFill>
+                </a:ln>
+                <a:solidFill>
+                  <a:schemeClr val="bg1"/>
+                </a:solidFill>
+                <a:latin typeface="+mj-lt"/>
+                <a:ea typeface="Cambria Math" panose="02040503050406030204" pitchFamily="18" charset="0"/>
+              </a:rPr>
+              <a:t>B.S. in Chemistry</a:t>
+            </a:r>
+          </a:p>
+        </p:txBody>
+      </p:sp>
+      <p:sp>
+        <p:nvSpPr>
+          <p:cNvPr id="13" name="TextBox 12">
+            <a:extLst>
+              <a:ext uri="{FF2B5EF4-FFF2-40B4-BE49-F238E27FC236}">
+                <a16:creationId xmlns:a16="http://schemas.microsoft.com/office/drawing/2014/main" id="{760F0625-9A64-42F2-A765-1950F14EB971}"/>
+              </a:ext>
+            </a:extLst>
+          </p:cNvPr>
+          <p:cNvSpPr txBox="1"/>
+          <p:nvPr/>
+        </p:nvSpPr>
+        <p:spPr>
+          <a:xfrm>
+            <a:off x="365760" y="5303520"/>
+            <a:ext cx="731520" cy="274320"/>
+          </a:xfrm>
+          <a:prstGeom prst="rect">
+            <a:avLst/>
+          </a:prstGeom>
+          <a:noFill/>
+        </p:spPr>
+        <p:txBody>
+          <a:bodyPr wrap="square" lIns="0" tIns="0" rIns="0" bIns="0" rtlCol="0" anchor="ctr">
+            <a:noAutofit/>
+          </a:bodyPr>
+          <a:lstStyle/>
+          <a:p>
+            <a:pPr algn="ctr"/>
+            <a:r>
+              <a:rPr lang="en-US" sz="1200" b="1" spc="-50" dirty="0">
+                <a:solidFill>
+                  <a:srgbClr val="BF1F1D"/>
+                </a:solidFill>
+                <a:effectLst>
+                  <a:outerShdw blurRad="38100" dist="38100" dir="2700000" algn="tl">
+                    <a:srgbClr val="000000">
+                      <a:alpha val="43137"/>
+                    </a:srgbClr>
+                  </a:outerShdw>
+                </a:effectLst>
+                <a:latin typeface="+mj-lt"/>
+                <a:ea typeface="Cambria Math" panose="02040503050406030204" pitchFamily="18" charset="0"/>
+              </a:rPr>
+              <a:t>J.C. Arce</a:t>
+            </a:r>
+          </a:p>
+        </p:txBody>
+      </p:sp>
+      <p:pic>
+        <p:nvPicPr>
+          <p:cNvPr id="15" name="Picture 14">
+            <a:extLst>
+              <a:ext uri="{FF2B5EF4-FFF2-40B4-BE49-F238E27FC236}">
+                <a16:creationId xmlns:a16="http://schemas.microsoft.com/office/drawing/2014/main" id="{5A88309B-63E1-4518-88D6-2AE72CBA2F6A}"/>
+              </a:ext>
+            </a:extLst>
+          </p:cNvPr>
+          <p:cNvPicPr>
+            <a:picLocks noChangeAspect="1"/>
+          </p:cNvPicPr>
+          <p:nvPr/>
+        </p:nvPicPr>
+        <p:blipFill>
+          <a:blip r:embed="rId6">
+            <a:extLst>
+              <a:ext uri="{28A0092B-C50C-407E-A947-70E740481C1C}">
+                <a14:useLocalDpi xmlns:a14="http://schemas.microsoft.com/office/drawing/2010/main" val="0"/>
+              </a:ext>
+            </a:extLst>
+          </a:blip>
+          <a:srcRect/>
+          <a:stretch/>
+        </p:blipFill>
+        <p:spPr>
+          <a:xfrm>
+            <a:off x="2195058" y="2551065"/>
+            <a:ext cx="1370603" cy="1754373"/>
+          </a:xfrm>
+          <a:prstGeom prst="rect">
+            <a:avLst/>
+          </a:prstGeom>
+        </p:spPr>
+      </p:pic>
+      <p:sp>
+        <p:nvSpPr>
+          <p:cNvPr id="16" name="Oval 15">
+            <a:extLst>
+              <a:ext uri="{FF2B5EF4-FFF2-40B4-BE49-F238E27FC236}">
+                <a16:creationId xmlns:a16="http://schemas.microsoft.com/office/drawing/2014/main" id="{A5C1F628-7236-49C9-A644-02C3E48B0C02}"/>
+              </a:ext>
+            </a:extLst>
+          </p:cNvPr>
+          <p:cNvSpPr/>
+          <p:nvPr/>
+        </p:nvSpPr>
+        <p:spPr>
+          <a:xfrm>
+            <a:off x="2514600" y="4411605"/>
+            <a:ext cx="731520" cy="731520"/>
+          </a:xfrm>
+          <a:prstGeom prst="ellipse">
+            <a:avLst/>
+          </a:prstGeom>
+          <a:blipFill>
+            <a:blip r:embed="rId7"/>
+            <a:stretch>
+              <a:fillRect/>
+            </a:stretch>
+          </a:blipFill>
+          <a:ln>
+            <a:solidFill>
+              <a:schemeClr val="tx1"/>
+            </a:solidFill>
+          </a:ln>
+        </p:spPr>
+        <p:style>
+          <a:lnRef idx="2">
+            <a:schemeClr val="accent1">
+              <a:shade val="50000"/>
+            </a:schemeClr>
+          </a:lnRef>
+          <a:fillRef idx="1">
+            <a:schemeClr val="accent1"/>
+          </a:fillRef>
+          <a:effectRef idx="0">
+            <a:schemeClr val="accent1"/>
+          </a:effectRef>
+          <a:fontRef idx="minor">
+            <a:schemeClr val="lt1"/>
+          </a:fontRef>
+        </p:style>
+        <p:txBody>
+          <a:bodyPr rtlCol="0" anchor="ctr"/>
+          <a:lstStyle/>
+          <a:p>
+            <a:pPr algn="ctr"/>
+            <a:endParaRPr lang="en-US">
+              <a:latin typeface="+mj-lt"/>
+            </a:endParaRPr>
+          </a:p>
+        </p:txBody>
+      </p:sp>
+      <p:sp>
+        <p:nvSpPr>
+          <p:cNvPr id="17" name="TextBox 16">
+            <a:extLst>
+              <a:ext uri="{FF2B5EF4-FFF2-40B4-BE49-F238E27FC236}">
+                <a16:creationId xmlns:a16="http://schemas.microsoft.com/office/drawing/2014/main" id="{37AF4CB2-B3AE-40A6-AA51-2E3326933456}"/>
+              </a:ext>
+            </a:extLst>
+          </p:cNvPr>
+          <p:cNvSpPr txBox="1"/>
+          <p:nvPr/>
+        </p:nvSpPr>
+        <p:spPr>
+          <a:xfrm>
+            <a:off x="2194560" y="6217920"/>
+            <a:ext cx="1371600" cy="274320"/>
+          </a:xfrm>
+          <a:prstGeom prst="rect">
+            <a:avLst/>
+          </a:prstGeom>
+          <a:noFill/>
+        </p:spPr>
+        <p:txBody>
+          <a:bodyPr wrap="square" lIns="0" tIns="0" rIns="0" bIns="0" rtlCol="0" anchor="t">
+            <a:noAutofit/>
+          </a:bodyPr>
+          <a:lstStyle/>
+          <a:p>
+            <a:pPr algn="ctr"/>
+            <a:r>
+              <a:rPr lang="en-US" sz="1600" b="1" dirty="0">
+                <a:ln w="9525">
+                  <a:solidFill>
+                    <a:srgbClr val="00994E"/>
+                  </a:solidFill>
+                </a:ln>
+                <a:solidFill>
+                  <a:srgbClr val="004F90"/>
+                </a:solidFill>
+                <a:effectLst>
+                  <a:outerShdw blurRad="38100" dist="38100" dir="2700000" algn="tl">
+                    <a:srgbClr val="000000">
+                      <a:alpha val="43137"/>
+                    </a:srgbClr>
+                  </a:outerShdw>
+                </a:effectLst>
+                <a:latin typeface="+mj-lt"/>
+                <a:ea typeface="Cambria Math" panose="02040503050406030204" pitchFamily="18" charset="0"/>
+              </a:rPr>
+              <a:t>2009 – 2012</a:t>
+            </a:r>
+          </a:p>
+        </p:txBody>
+      </p:sp>
+      <p:sp>
+        <p:nvSpPr>
+          <p:cNvPr id="18" name="TextBox 17">
+            <a:extLst>
+              <a:ext uri="{FF2B5EF4-FFF2-40B4-BE49-F238E27FC236}">
+                <a16:creationId xmlns:a16="http://schemas.microsoft.com/office/drawing/2014/main" id="{E2ACCD6F-895C-45CF-A1F7-51551BDE30F0}"/>
+              </a:ext>
+            </a:extLst>
+          </p:cNvPr>
+          <p:cNvSpPr txBox="1"/>
+          <p:nvPr/>
+        </p:nvSpPr>
+        <p:spPr>
+          <a:xfrm>
+            <a:off x="2103120" y="5852160"/>
+            <a:ext cx="1554480" cy="274320"/>
+          </a:xfrm>
+          <a:prstGeom prst="rect">
+            <a:avLst/>
+          </a:prstGeom>
+          <a:noFill/>
+        </p:spPr>
+        <p:txBody>
+          <a:bodyPr wrap="square" lIns="0" tIns="0" rIns="0" bIns="0" rtlCol="0" anchor="b">
+            <a:noAutofit/>
+          </a:bodyPr>
+          <a:lstStyle/>
+          <a:p>
+            <a:pPr algn="ctr"/>
+            <a:r>
+              <a:rPr lang="en-US" sz="1600" dirty="0">
+                <a:ln w="9525">
+                  <a:solidFill>
+                    <a:srgbClr val="00994E"/>
+                  </a:solidFill>
+                </a:ln>
+                <a:solidFill>
+                  <a:srgbClr val="004F90"/>
+                </a:solidFill>
+                <a:latin typeface="+mj-lt"/>
+                <a:ea typeface="Cambria Math" panose="02040503050406030204" pitchFamily="18" charset="0"/>
+              </a:rPr>
+              <a:t>Young Researcher and Innovator</a:t>
+            </a:r>
+          </a:p>
+        </p:txBody>
+      </p:sp>
+      <p:sp>
+        <p:nvSpPr>
+          <p:cNvPr id="19" name="Arrow: Right 18">
+            <a:extLst>
+              <a:ext uri="{FF2B5EF4-FFF2-40B4-BE49-F238E27FC236}">
+                <a16:creationId xmlns:a16="http://schemas.microsoft.com/office/drawing/2014/main" id="{6638CF5E-3865-4BFA-82AC-A490C60732FF}"/>
+              </a:ext>
+            </a:extLst>
+          </p:cNvPr>
+          <p:cNvSpPr/>
+          <p:nvPr/>
+        </p:nvSpPr>
+        <p:spPr>
+          <a:xfrm>
+            <a:off x="1828800" y="3302046"/>
+            <a:ext cx="274320" cy="274315"/>
+          </a:xfrm>
+          <a:prstGeom prst="rightArrow">
+            <a:avLst/>
+          </a:prstGeom>
+          <a:solidFill>
+            <a:schemeClr val="bg2"/>
+          </a:solidFill>
+          <a:ln>
+            <a:solidFill>
+              <a:schemeClr val="tx1"/>
+            </a:solidFill>
+          </a:ln>
+        </p:spPr>
+        <p:style>
+          <a:lnRef idx="2">
+            <a:schemeClr val="accent1">
+              <a:shade val="50000"/>
+            </a:schemeClr>
+          </a:lnRef>
+          <a:fillRef idx="1">
+            <a:schemeClr val="accent1"/>
+          </a:fillRef>
+          <a:effectRef idx="0">
+            <a:schemeClr val="accent1"/>
+          </a:effectRef>
+          <a:fontRef idx="minor">
+            <a:schemeClr val="lt1"/>
+          </a:fontRef>
+        </p:style>
+        <p:txBody>
+          <a:bodyPr rtlCol="0" anchor="ctr"/>
+          <a:lstStyle/>
+          <a:p>
+            <a:pPr algn="ctr"/>
+            <a:endParaRPr lang="en-US">
+              <a:latin typeface="+mj-lt"/>
+            </a:endParaRPr>
+          </a:p>
+        </p:txBody>
+      </p:sp>
+      <p:sp>
+        <p:nvSpPr>
+          <p:cNvPr id="20" name="TextBox 19">
+            <a:extLst>
+              <a:ext uri="{FF2B5EF4-FFF2-40B4-BE49-F238E27FC236}">
+                <a16:creationId xmlns:a16="http://schemas.microsoft.com/office/drawing/2014/main" id="{D1AECB82-C68D-4FD8-8492-81046F376420}"/>
+              </a:ext>
+            </a:extLst>
+          </p:cNvPr>
+          <p:cNvSpPr txBox="1"/>
+          <p:nvPr/>
+        </p:nvSpPr>
+        <p:spPr>
+          <a:xfrm>
+            <a:off x="2509177" y="5150832"/>
+            <a:ext cx="731520" cy="274320"/>
+          </a:xfrm>
+          <a:prstGeom prst="rect">
+            <a:avLst/>
+          </a:prstGeom>
+          <a:noFill/>
+        </p:spPr>
+        <p:txBody>
+          <a:bodyPr wrap="square" lIns="0" tIns="0" rIns="0" bIns="0" rtlCol="0" anchor="ctr">
+            <a:noAutofit/>
+          </a:bodyPr>
+          <a:lstStyle/>
+          <a:p>
+            <a:pPr algn="ctr"/>
+            <a:r>
+              <a:rPr lang="en-US" sz="1200" b="1" spc="-50" dirty="0">
+                <a:solidFill>
+                  <a:srgbClr val="00994E"/>
+                </a:solidFill>
+                <a:effectLst>
+                  <a:outerShdw blurRad="38100" dist="38100" dir="2700000" algn="tl">
+                    <a:srgbClr val="000000">
+                      <a:alpha val="43137"/>
+                    </a:srgbClr>
+                  </a:outerShdw>
+                </a:effectLst>
+                <a:latin typeface="+mj-lt"/>
+                <a:ea typeface="Cambria Math" panose="02040503050406030204" pitchFamily="18" charset="0"/>
+              </a:rPr>
+              <a:t>C.A. Arango</a:t>
+            </a:r>
+          </a:p>
+        </p:txBody>
+      </p:sp>
+      <p:pic>
+        <p:nvPicPr>
+          <p:cNvPr id="26" name="Picture 25">
+            <a:extLst>
+              <a:ext uri="{FF2B5EF4-FFF2-40B4-BE49-F238E27FC236}">
+                <a16:creationId xmlns:a16="http://schemas.microsoft.com/office/drawing/2014/main" id="{CE1E8935-09C1-4C20-BE24-6082AE38C05B}"/>
+              </a:ext>
+            </a:extLst>
+          </p:cNvPr>
+          <p:cNvPicPr>
+            <a:picLocks noChangeAspect="1"/>
+          </p:cNvPicPr>
+          <p:nvPr/>
+        </p:nvPicPr>
+        <p:blipFill>
+          <a:blip r:embed="rId8"/>
+          <a:stretch>
+            <a:fillRect/>
+          </a:stretch>
+        </p:blipFill>
+        <p:spPr>
+          <a:xfrm>
+            <a:off x="4151658" y="457199"/>
+            <a:ext cx="1857375" cy="1419225"/>
+          </a:xfrm>
+          <a:prstGeom prst="rect">
+            <a:avLst/>
+          </a:prstGeom>
+        </p:spPr>
+      </p:pic>
+      <p:sp>
+        <p:nvSpPr>
+          <p:cNvPr id="27" name="Oval 26">
+            <a:extLst>
+              <a:ext uri="{FF2B5EF4-FFF2-40B4-BE49-F238E27FC236}">
+                <a16:creationId xmlns:a16="http://schemas.microsoft.com/office/drawing/2014/main" id="{8B347B8A-3CFF-4460-B83A-7168BDCE726A}"/>
+              </a:ext>
+            </a:extLst>
+          </p:cNvPr>
+          <p:cNvSpPr/>
+          <p:nvPr/>
+        </p:nvSpPr>
+        <p:spPr>
+          <a:xfrm>
+            <a:off x="5594696" y="457199"/>
+            <a:ext cx="731520" cy="731520"/>
+          </a:xfrm>
+          <a:prstGeom prst="ellipse">
+            <a:avLst/>
+          </a:prstGeom>
+          <a:blipFill>
+            <a:blip r:embed="rId9"/>
+            <a:stretch>
+              <a:fillRect/>
+            </a:stretch>
+          </a:blipFill>
+          <a:ln>
+            <a:solidFill>
+              <a:schemeClr val="tx1"/>
+            </a:solidFill>
+          </a:ln>
+        </p:spPr>
+        <p:style>
+          <a:lnRef idx="2">
+            <a:schemeClr val="accent1">
+              <a:shade val="50000"/>
+            </a:schemeClr>
+          </a:lnRef>
+          <a:fillRef idx="1">
+            <a:schemeClr val="accent1"/>
+          </a:fillRef>
+          <a:effectRef idx="0">
+            <a:schemeClr val="accent1"/>
+          </a:effectRef>
+          <a:fontRef idx="minor">
+            <a:schemeClr val="lt1"/>
+          </a:fontRef>
+        </p:style>
+        <p:txBody>
+          <a:bodyPr rtlCol="0" anchor="ctr"/>
+          <a:lstStyle/>
+          <a:p>
+            <a:pPr algn="ctr"/>
+            <a:endParaRPr lang="en-US">
+              <a:latin typeface="+mj-lt"/>
+            </a:endParaRPr>
+          </a:p>
+        </p:txBody>
+      </p:sp>
+      <p:sp>
+        <p:nvSpPr>
+          <p:cNvPr id="28" name="Oval 27">
+            <a:extLst>
+              <a:ext uri="{FF2B5EF4-FFF2-40B4-BE49-F238E27FC236}">
+                <a16:creationId xmlns:a16="http://schemas.microsoft.com/office/drawing/2014/main" id="{48973BD3-B367-406F-80E1-0694B3A10E8F}"/>
+              </a:ext>
+            </a:extLst>
+          </p:cNvPr>
+          <p:cNvSpPr/>
+          <p:nvPr/>
+        </p:nvSpPr>
+        <p:spPr>
+          <a:xfrm>
+            <a:off x="3840480" y="457199"/>
+            <a:ext cx="731520" cy="731520"/>
+          </a:xfrm>
+          <a:prstGeom prst="ellipse">
+            <a:avLst/>
+          </a:prstGeom>
+          <a:blipFill>
+            <a:blip r:embed="rId10"/>
+            <a:stretch>
+              <a:fillRect/>
+            </a:stretch>
+          </a:blipFill>
+          <a:ln>
+            <a:solidFill>
+              <a:schemeClr val="tx1"/>
+            </a:solidFill>
+          </a:ln>
+        </p:spPr>
+        <p:style>
+          <a:lnRef idx="2">
+            <a:schemeClr val="accent1">
+              <a:shade val="50000"/>
+            </a:schemeClr>
+          </a:lnRef>
+          <a:fillRef idx="1">
+            <a:schemeClr val="accent1"/>
+          </a:fillRef>
+          <a:effectRef idx="0">
+            <a:schemeClr val="accent1"/>
+          </a:effectRef>
+          <a:fontRef idx="minor">
+            <a:schemeClr val="lt1"/>
+          </a:fontRef>
+        </p:style>
+        <p:txBody>
+          <a:bodyPr rtlCol="0" anchor="ctr"/>
+          <a:lstStyle/>
+          <a:p>
+            <a:pPr algn="ctr"/>
+            <a:endParaRPr lang="en-US">
+              <a:latin typeface="+mj-lt"/>
+            </a:endParaRPr>
+          </a:p>
+        </p:txBody>
+      </p:sp>
+      <p:sp>
+        <p:nvSpPr>
+          <p:cNvPr id="29" name="TextBox 28">
+            <a:extLst>
+              <a:ext uri="{FF2B5EF4-FFF2-40B4-BE49-F238E27FC236}">
+                <a16:creationId xmlns:a16="http://schemas.microsoft.com/office/drawing/2014/main" id="{91FFE4AC-A642-462C-8F27-FCC264E58120}"/>
+              </a:ext>
+            </a:extLst>
+          </p:cNvPr>
+          <p:cNvSpPr txBox="1"/>
+          <p:nvPr/>
+        </p:nvSpPr>
+        <p:spPr>
+          <a:xfrm>
+            <a:off x="3744768" y="1197864"/>
+            <a:ext cx="914400" cy="274320"/>
+          </a:xfrm>
+          <a:prstGeom prst="rect">
+            <a:avLst/>
+          </a:prstGeom>
+          <a:noFill/>
+        </p:spPr>
+        <p:txBody>
+          <a:bodyPr wrap="square" lIns="0" tIns="0" rIns="0" bIns="0" rtlCol="0" anchor="ctr">
+            <a:noAutofit/>
+          </a:bodyPr>
+          <a:lstStyle/>
+          <a:p>
+            <a:pPr algn="ctr"/>
+            <a:r>
+              <a:rPr lang="en-US" sz="1200" b="1" spc="-50" dirty="0">
+                <a:solidFill>
+                  <a:srgbClr val="124A92"/>
+                </a:solidFill>
+                <a:effectLst>
+                  <a:outerShdw blurRad="38100" dist="38100" dir="2700000" algn="tl">
+                    <a:srgbClr val="000000">
+                      <a:alpha val="43137"/>
+                    </a:srgbClr>
+                  </a:outerShdw>
+                </a:effectLst>
+                <a:latin typeface="+mj-lt"/>
+                <a:ea typeface="Cambria Math" panose="02040503050406030204" pitchFamily="18" charset="0"/>
+              </a:rPr>
+              <a:t>A.A. Correa</a:t>
+            </a:r>
+          </a:p>
+        </p:txBody>
+      </p:sp>
+      <p:sp>
+        <p:nvSpPr>
+          <p:cNvPr id="30" name="TextBox 29">
+            <a:extLst>
+              <a:ext uri="{FF2B5EF4-FFF2-40B4-BE49-F238E27FC236}">
+                <a16:creationId xmlns:a16="http://schemas.microsoft.com/office/drawing/2014/main" id="{7FD21A94-41C7-43D9-B9E3-CECC9B9D2108}"/>
+              </a:ext>
+            </a:extLst>
+          </p:cNvPr>
+          <p:cNvSpPr txBox="1"/>
+          <p:nvPr/>
+        </p:nvSpPr>
+        <p:spPr>
+          <a:xfrm>
+            <a:off x="5503256" y="1240892"/>
+            <a:ext cx="914400" cy="229858"/>
+          </a:xfrm>
+          <a:prstGeom prst="rect">
+            <a:avLst/>
+          </a:prstGeom>
+          <a:noFill/>
+        </p:spPr>
+        <p:txBody>
+          <a:bodyPr wrap="square" lIns="0" tIns="0" rIns="0" bIns="0" rtlCol="0" anchor="ctr">
+            <a:noAutofit/>
+          </a:bodyPr>
+          <a:lstStyle/>
+          <a:p>
+            <a:pPr algn="ctr"/>
+            <a:r>
+              <a:rPr lang="en-US" sz="1200" b="1" spc="-50" dirty="0">
+                <a:solidFill>
+                  <a:srgbClr val="124A92"/>
+                </a:solidFill>
+                <a:effectLst>
+                  <a:outerShdw blurRad="38100" dist="38100" dir="2700000" algn="tl">
+                    <a:srgbClr val="000000">
+                      <a:alpha val="43137"/>
+                    </a:srgbClr>
+                  </a:outerShdw>
+                </a:effectLst>
+                <a:latin typeface="+mj-lt"/>
+                <a:ea typeface="Cambria Math" panose="02040503050406030204" pitchFamily="18" charset="0"/>
+              </a:rPr>
+              <a:t>X.I. Andrade</a:t>
+            </a:r>
+          </a:p>
+        </p:txBody>
+      </p:sp>
+      <p:pic>
+        <p:nvPicPr>
+          <p:cNvPr id="32" name="Picture 12">
+            <a:extLst>
+              <a:ext uri="{FF2B5EF4-FFF2-40B4-BE49-F238E27FC236}">
+                <a16:creationId xmlns:a16="http://schemas.microsoft.com/office/drawing/2014/main" id="{8F743B3A-31A2-4EE4-A1C5-1FA87AC273D0}"/>
+              </a:ext>
+            </a:extLst>
+          </p:cNvPr>
+          <p:cNvPicPr>
+            <a:picLocks noChangeAspect="1" noChangeArrowheads="1"/>
+          </p:cNvPicPr>
+          <p:nvPr/>
+        </p:nvPicPr>
+        <p:blipFill>
+          <a:blip r:embed="rId11">
+            <a:extLst>
+              <a:ext uri="{28A0092B-C50C-407E-A947-70E740481C1C}">
+                <a14:useLocalDpi xmlns:a14="http://schemas.microsoft.com/office/drawing/2010/main" val="0"/>
+              </a:ext>
+            </a:extLst>
+          </a:blip>
+          <a:srcRect/>
+          <a:stretch>
+            <a:fillRect/>
+          </a:stretch>
+        </p:blipFill>
+        <p:spPr bwMode="auto">
+          <a:xfrm>
+            <a:off x="6908108" y="2753404"/>
+            <a:ext cx="1371600" cy="1371600"/>
+          </a:xfrm>
+          <a:prstGeom prst="rect">
+            <a:avLst/>
+          </a:prstGeom>
+          <a:noFill/>
+          <a:extLst>
+            <a:ext uri="{909E8E84-426E-40DD-AFC4-6F175D3DCCD1}">
+              <a14:hiddenFill xmlns:a14="http://schemas.microsoft.com/office/drawing/2010/main">
+                <a:solidFill>
+                  <a:srgbClr val="FFFFFF"/>
+                </a:solidFill>
+              </a14:hiddenFill>
+            </a:ext>
+          </a:extLst>
+        </p:spPr>
+      </p:pic>
+      <p:sp>
+        <p:nvSpPr>
+          <p:cNvPr id="33" name="Oval 32">
+            <a:extLst>
+              <a:ext uri="{FF2B5EF4-FFF2-40B4-BE49-F238E27FC236}">
+                <a16:creationId xmlns:a16="http://schemas.microsoft.com/office/drawing/2014/main" id="{044BFF33-F36F-4797-AD6D-31C3B2098F29}"/>
+              </a:ext>
+            </a:extLst>
+          </p:cNvPr>
+          <p:cNvSpPr/>
+          <p:nvPr/>
+        </p:nvSpPr>
+        <p:spPr>
+          <a:xfrm>
+            <a:off x="8336397" y="3073444"/>
+            <a:ext cx="731520" cy="731520"/>
+          </a:xfrm>
+          <a:prstGeom prst="ellipse">
+            <a:avLst/>
+          </a:prstGeom>
+          <a:blipFill>
+            <a:blip r:embed="rId12"/>
+            <a:stretch>
+              <a:fillRect/>
+            </a:stretch>
+          </a:blipFill>
+          <a:ln>
+            <a:solidFill>
+              <a:schemeClr val="tx1"/>
+            </a:solidFill>
+          </a:ln>
+        </p:spPr>
+        <p:style>
+          <a:lnRef idx="2">
+            <a:schemeClr val="accent1">
+              <a:shade val="50000"/>
+            </a:schemeClr>
+          </a:lnRef>
+          <a:fillRef idx="1">
+            <a:schemeClr val="accent1"/>
+          </a:fillRef>
+          <a:effectRef idx="0">
+            <a:schemeClr val="accent1"/>
+          </a:effectRef>
+          <a:fontRef idx="minor">
+            <a:schemeClr val="lt1"/>
+          </a:fontRef>
+        </p:style>
+        <p:txBody>
+          <a:bodyPr rtlCol="0" anchor="ctr"/>
+          <a:lstStyle/>
+          <a:p>
+            <a:pPr algn="ctr"/>
+            <a:endParaRPr lang="en-US">
+              <a:latin typeface="+mj-lt"/>
+            </a:endParaRPr>
+          </a:p>
+        </p:txBody>
+      </p:sp>
+      <p:sp>
+        <p:nvSpPr>
+          <p:cNvPr id="34" name="TextBox 33">
+            <a:extLst>
+              <a:ext uri="{FF2B5EF4-FFF2-40B4-BE49-F238E27FC236}">
+                <a16:creationId xmlns:a16="http://schemas.microsoft.com/office/drawing/2014/main" id="{FFC29204-38D4-43BD-8C30-96EF0F9831E9}"/>
+              </a:ext>
+            </a:extLst>
+          </p:cNvPr>
+          <p:cNvSpPr txBox="1"/>
+          <p:nvPr/>
+        </p:nvSpPr>
+        <p:spPr>
+          <a:xfrm>
+            <a:off x="6910648" y="6217920"/>
+            <a:ext cx="1371600" cy="274320"/>
+          </a:xfrm>
+          <a:prstGeom prst="rect">
+            <a:avLst/>
+          </a:prstGeom>
+          <a:noFill/>
+        </p:spPr>
+        <p:txBody>
+          <a:bodyPr wrap="square" lIns="0" tIns="0" rIns="0" bIns="0" rtlCol="0" anchor="t">
+            <a:noAutofit/>
+          </a:bodyPr>
+          <a:lstStyle/>
+          <a:p>
+            <a:pPr algn="ctr"/>
+            <a:r>
+              <a:rPr lang="en-US" sz="1600" b="1" dirty="0">
+                <a:ln w="9525">
+                  <a:solidFill>
+                    <a:srgbClr val="B3A369"/>
+                  </a:solidFill>
+                </a:ln>
+                <a:solidFill>
+                  <a:srgbClr val="003057"/>
+                </a:solidFill>
+                <a:effectLst>
+                  <a:outerShdw blurRad="38100" dist="38100" dir="2700000" algn="tl">
+                    <a:srgbClr val="000000">
+                      <a:alpha val="43137"/>
+                    </a:srgbClr>
+                  </a:outerShdw>
+                </a:effectLst>
+                <a:latin typeface="+mj-lt"/>
+                <a:ea typeface="Cambria Math" panose="02040503050406030204" pitchFamily="18" charset="0"/>
+              </a:rPr>
+              <a:t>2017 – 2020</a:t>
+            </a:r>
+          </a:p>
+        </p:txBody>
+      </p:sp>
+      <p:sp>
+        <p:nvSpPr>
+          <p:cNvPr id="35" name="TextBox 34">
+            <a:extLst>
+              <a:ext uri="{FF2B5EF4-FFF2-40B4-BE49-F238E27FC236}">
+                <a16:creationId xmlns:a16="http://schemas.microsoft.com/office/drawing/2014/main" id="{25CAF964-A880-43E5-A8DC-D7E979DD15D8}"/>
+              </a:ext>
+            </a:extLst>
+          </p:cNvPr>
+          <p:cNvSpPr txBox="1"/>
+          <p:nvPr/>
+        </p:nvSpPr>
+        <p:spPr>
+          <a:xfrm>
+            <a:off x="6542348" y="5852160"/>
+            <a:ext cx="2103120" cy="274320"/>
+          </a:xfrm>
+          <a:prstGeom prst="rect">
+            <a:avLst/>
+          </a:prstGeom>
+          <a:noFill/>
+        </p:spPr>
+        <p:txBody>
+          <a:bodyPr wrap="square" lIns="0" tIns="0" rIns="0" bIns="0" rtlCol="0" anchor="b">
+            <a:noAutofit/>
+          </a:bodyPr>
+          <a:lstStyle/>
+          <a:p>
+            <a:pPr algn="ctr"/>
+            <a:r>
+              <a:rPr lang="en-US" sz="1600" spc="-10" dirty="0">
+                <a:ln w="9525">
+                  <a:solidFill>
+                    <a:srgbClr val="B3A369"/>
+                  </a:solidFill>
+                </a:ln>
+                <a:solidFill>
+                  <a:srgbClr val="003057"/>
+                </a:solidFill>
+                <a:latin typeface="+mj-lt"/>
+                <a:ea typeface="Cambria Math" panose="02040503050406030204" pitchFamily="18" charset="0"/>
+              </a:rPr>
+              <a:t>Postdoctoral Fellow</a:t>
+            </a:r>
+          </a:p>
+          <a:p>
+            <a:pPr algn="ctr"/>
+            <a:r>
+              <a:rPr lang="en-US" sz="1600" spc="-10" dirty="0">
+                <a:ln w="9525">
+                  <a:solidFill>
+                    <a:srgbClr val="B3A369"/>
+                  </a:solidFill>
+                </a:ln>
+                <a:solidFill>
+                  <a:srgbClr val="003057"/>
+                </a:solidFill>
+                <a:latin typeface="+mj-lt"/>
+                <a:ea typeface="Cambria Math" panose="02040503050406030204" pitchFamily="18" charset="0"/>
+              </a:rPr>
+              <a:t>Chemistry &amp; Biochemistry</a:t>
+            </a:r>
+          </a:p>
+        </p:txBody>
+      </p:sp>
+      <p:sp>
+        <p:nvSpPr>
+          <p:cNvPr id="36" name="Arrow: Right 35">
+            <a:extLst>
+              <a:ext uri="{FF2B5EF4-FFF2-40B4-BE49-F238E27FC236}">
+                <a16:creationId xmlns:a16="http://schemas.microsoft.com/office/drawing/2014/main" id="{68337317-F5A5-4891-B7D6-6EAF322E7309}"/>
+              </a:ext>
+            </a:extLst>
+          </p:cNvPr>
+          <p:cNvSpPr/>
+          <p:nvPr/>
+        </p:nvSpPr>
+        <p:spPr>
+          <a:xfrm>
+            <a:off x="6605021" y="3303157"/>
+            <a:ext cx="274320" cy="274315"/>
+          </a:xfrm>
+          <a:prstGeom prst="rightArrow">
+            <a:avLst/>
+          </a:prstGeom>
+          <a:solidFill>
+            <a:schemeClr val="bg2"/>
+          </a:solidFill>
+          <a:ln>
+            <a:solidFill>
+              <a:schemeClr val="tx1"/>
+            </a:solidFill>
+          </a:ln>
+        </p:spPr>
+        <p:style>
+          <a:lnRef idx="2">
+            <a:schemeClr val="accent1">
+              <a:shade val="50000"/>
+            </a:schemeClr>
+          </a:lnRef>
+          <a:fillRef idx="1">
+            <a:schemeClr val="accent1"/>
+          </a:fillRef>
+          <a:effectRef idx="0">
+            <a:schemeClr val="accent1"/>
+          </a:effectRef>
+          <a:fontRef idx="minor">
+            <a:schemeClr val="lt1"/>
+          </a:fontRef>
+        </p:style>
+        <p:txBody>
+          <a:bodyPr rtlCol="0" anchor="ctr"/>
+          <a:lstStyle/>
+          <a:p>
+            <a:pPr algn="ctr"/>
+            <a:endParaRPr lang="en-US">
+              <a:latin typeface="+mj-lt"/>
+            </a:endParaRPr>
+          </a:p>
+        </p:txBody>
+      </p:sp>
+      <p:sp>
+        <p:nvSpPr>
+          <p:cNvPr id="37" name="Oval 36">
+            <a:extLst>
+              <a:ext uri="{FF2B5EF4-FFF2-40B4-BE49-F238E27FC236}">
+                <a16:creationId xmlns:a16="http://schemas.microsoft.com/office/drawing/2014/main" id="{BEF1916E-0E42-41D9-AFFA-A04C496575DE}"/>
+              </a:ext>
+            </a:extLst>
+          </p:cNvPr>
+          <p:cNvSpPr/>
+          <p:nvPr/>
+        </p:nvSpPr>
+        <p:spPr>
+          <a:xfrm>
+            <a:off x="8040718" y="3883617"/>
+            <a:ext cx="731520" cy="731520"/>
+          </a:xfrm>
+          <a:prstGeom prst="ellipse">
+            <a:avLst/>
+          </a:prstGeom>
+          <a:blipFill>
+            <a:blip r:embed="rId13">
+              <a:extLst>
+                <a:ext uri="{28A0092B-C50C-407E-A947-70E740481C1C}">
+                  <a14:useLocalDpi xmlns:a14="http://schemas.microsoft.com/office/drawing/2010/main" val="0"/>
+                </a:ext>
+              </a:extLst>
+            </a:blip>
+            <a:stretch>
+              <a:fillRect/>
+            </a:stretch>
+          </a:blipFill>
+          <a:ln>
+            <a:solidFill>
+              <a:schemeClr val="tx1"/>
+            </a:solidFill>
+          </a:ln>
+        </p:spPr>
+        <p:style>
+          <a:lnRef idx="2">
+            <a:schemeClr val="accent1">
+              <a:shade val="50000"/>
+            </a:schemeClr>
+          </a:lnRef>
+          <a:fillRef idx="1">
+            <a:schemeClr val="accent1"/>
+          </a:fillRef>
+          <a:effectRef idx="0">
+            <a:schemeClr val="accent1"/>
+          </a:effectRef>
+          <a:fontRef idx="minor">
+            <a:schemeClr val="lt1"/>
+          </a:fontRef>
+        </p:style>
+        <p:txBody>
+          <a:bodyPr rtlCol="0" anchor="ctr"/>
+          <a:lstStyle/>
+          <a:p>
+            <a:pPr algn="ctr"/>
+            <a:endParaRPr lang="en-US" dirty="0">
+              <a:latin typeface="+mj-lt"/>
+            </a:endParaRPr>
+          </a:p>
+        </p:txBody>
+      </p:sp>
+      <p:sp>
+        <p:nvSpPr>
+          <p:cNvPr id="38" name="TextBox 37">
+            <a:extLst>
+              <a:ext uri="{FF2B5EF4-FFF2-40B4-BE49-F238E27FC236}">
+                <a16:creationId xmlns:a16="http://schemas.microsoft.com/office/drawing/2014/main" id="{1D81ECF2-1D73-4644-97D0-2B6C537B52EB}"/>
+              </a:ext>
+            </a:extLst>
+          </p:cNvPr>
+          <p:cNvSpPr txBox="1"/>
+          <p:nvPr/>
+        </p:nvSpPr>
+        <p:spPr>
+          <a:xfrm>
+            <a:off x="8244957" y="2803490"/>
+            <a:ext cx="914400" cy="274320"/>
+          </a:xfrm>
+          <a:prstGeom prst="rect">
+            <a:avLst/>
+          </a:prstGeom>
+          <a:noFill/>
+        </p:spPr>
+        <p:txBody>
+          <a:bodyPr wrap="square" lIns="0" tIns="0" rIns="0" bIns="0" rtlCol="0" anchor="ctr">
+            <a:noAutofit/>
+          </a:bodyPr>
+          <a:lstStyle/>
+          <a:p>
+            <a:pPr algn="ctr"/>
+            <a:r>
+              <a:rPr lang="en-US" sz="1200" b="1" spc="-50" dirty="0">
+                <a:solidFill>
+                  <a:srgbClr val="B3A369"/>
+                </a:solidFill>
+                <a:effectLst>
+                  <a:outerShdw blurRad="38100" dist="38100" dir="2700000" algn="tl">
+                    <a:srgbClr val="000000">
+                      <a:alpha val="43137"/>
+                    </a:srgbClr>
+                  </a:outerShdw>
+                </a:effectLst>
+                <a:latin typeface="+mj-lt"/>
+                <a:ea typeface="Cambria Math" panose="02040503050406030204" pitchFamily="18" charset="0"/>
+              </a:rPr>
+              <a:t>C.D. Sherrill</a:t>
+            </a:r>
+          </a:p>
+        </p:txBody>
+      </p:sp>
+      <p:sp>
+        <p:nvSpPr>
+          <p:cNvPr id="39" name="TextBox 38">
+            <a:extLst>
+              <a:ext uri="{FF2B5EF4-FFF2-40B4-BE49-F238E27FC236}">
+                <a16:creationId xmlns:a16="http://schemas.microsoft.com/office/drawing/2014/main" id="{F4D0F9B5-3EE1-49A8-A5C4-EE6EE41C5267}"/>
+              </a:ext>
+            </a:extLst>
+          </p:cNvPr>
+          <p:cNvSpPr txBox="1"/>
+          <p:nvPr/>
+        </p:nvSpPr>
+        <p:spPr>
+          <a:xfrm>
+            <a:off x="6320251" y="4585434"/>
+            <a:ext cx="914400" cy="274320"/>
+          </a:xfrm>
+          <a:prstGeom prst="rect">
+            <a:avLst/>
+          </a:prstGeom>
+          <a:noFill/>
+        </p:spPr>
+        <p:txBody>
+          <a:bodyPr wrap="square" lIns="0" tIns="0" rIns="0" bIns="0" rtlCol="0" anchor="ctr">
+            <a:noAutofit/>
+          </a:bodyPr>
+          <a:lstStyle/>
+          <a:p>
+            <a:pPr algn="ctr"/>
+            <a:r>
+              <a:rPr lang="en-US" sz="1200" spc="-50" dirty="0">
+                <a:latin typeface="+mj-lt"/>
+                <a:ea typeface="Cambria Math" panose="02040503050406030204" pitchFamily="18" charset="0"/>
+              </a:rPr>
+              <a:t>B.J. </a:t>
+            </a:r>
+            <a:r>
+              <a:rPr lang="en-US" sz="1200" spc="-50" dirty="0" err="1">
+                <a:latin typeface="+mj-lt"/>
+                <a:ea typeface="Cambria Math" panose="02040503050406030204" pitchFamily="18" charset="0"/>
+              </a:rPr>
+              <a:t>Kippelen</a:t>
+            </a:r>
+            <a:endParaRPr lang="en-US" sz="1200" spc="-50" dirty="0">
+              <a:latin typeface="+mj-lt"/>
+              <a:ea typeface="Cambria Math" panose="02040503050406030204" pitchFamily="18" charset="0"/>
+            </a:endParaRPr>
+          </a:p>
+        </p:txBody>
+      </p:sp>
+      <p:pic>
+        <p:nvPicPr>
+          <p:cNvPr id="41" name="Picture 40">
+            <a:extLst>
+              <a:ext uri="{FF2B5EF4-FFF2-40B4-BE49-F238E27FC236}">
+                <a16:creationId xmlns:a16="http://schemas.microsoft.com/office/drawing/2014/main" id="{9DA8A99F-D832-45FF-BC11-4E50310085AA}"/>
+              </a:ext>
+            </a:extLst>
+          </p:cNvPr>
+          <p:cNvPicPr>
+            <a:picLocks noChangeAspect="1"/>
+          </p:cNvPicPr>
+          <p:nvPr/>
+        </p:nvPicPr>
+        <p:blipFill>
+          <a:blip r:embed="rId14"/>
+          <a:stretch>
+            <a:fillRect/>
+          </a:stretch>
+        </p:blipFill>
+        <p:spPr>
+          <a:xfrm>
+            <a:off x="9784080" y="2513337"/>
+            <a:ext cx="1371600" cy="1829827"/>
+          </a:xfrm>
+          <a:prstGeom prst="rect">
+            <a:avLst/>
+          </a:prstGeom>
+        </p:spPr>
+      </p:pic>
+      <p:sp>
+        <p:nvSpPr>
+          <p:cNvPr id="42" name="Oval 41">
+            <a:extLst>
+              <a:ext uri="{FF2B5EF4-FFF2-40B4-BE49-F238E27FC236}">
+                <a16:creationId xmlns:a16="http://schemas.microsoft.com/office/drawing/2014/main" id="{29C4887E-B0DB-402D-9D0D-CF7D68204D92}"/>
+              </a:ext>
+            </a:extLst>
+          </p:cNvPr>
+          <p:cNvSpPr/>
+          <p:nvPr/>
+        </p:nvSpPr>
+        <p:spPr>
+          <a:xfrm>
+            <a:off x="11155680" y="3062490"/>
+            <a:ext cx="731520" cy="731520"/>
+          </a:xfrm>
+          <a:prstGeom prst="ellipse">
+            <a:avLst/>
+          </a:prstGeom>
+          <a:blipFill>
+            <a:blip r:embed="rId15"/>
+            <a:stretch>
+              <a:fillRect/>
+            </a:stretch>
+          </a:blipFill>
+          <a:ln>
+            <a:solidFill>
+              <a:schemeClr val="tx1"/>
+            </a:solidFill>
+          </a:ln>
+        </p:spPr>
+        <p:style>
+          <a:lnRef idx="2">
+            <a:schemeClr val="accent1">
+              <a:shade val="50000"/>
+            </a:schemeClr>
+          </a:lnRef>
+          <a:fillRef idx="1">
+            <a:schemeClr val="accent1"/>
+          </a:fillRef>
+          <a:effectRef idx="0">
+            <a:schemeClr val="accent1"/>
+          </a:effectRef>
+          <a:fontRef idx="minor">
+            <a:schemeClr val="lt1"/>
+          </a:fontRef>
+        </p:style>
+        <p:txBody>
+          <a:bodyPr rtlCol="0" anchor="ctr"/>
+          <a:lstStyle/>
+          <a:p>
+            <a:pPr algn="ctr"/>
+            <a:endParaRPr lang="en-US" dirty="0">
+              <a:latin typeface="+mj-lt"/>
+            </a:endParaRPr>
+          </a:p>
+        </p:txBody>
+      </p:sp>
+      <p:sp>
+        <p:nvSpPr>
+          <p:cNvPr id="43" name="TextBox 42">
+            <a:extLst>
+              <a:ext uri="{FF2B5EF4-FFF2-40B4-BE49-F238E27FC236}">
+                <a16:creationId xmlns:a16="http://schemas.microsoft.com/office/drawing/2014/main" id="{CDF1D5BC-B3E8-4126-92CC-575039A7BC34}"/>
+              </a:ext>
+            </a:extLst>
+          </p:cNvPr>
+          <p:cNvSpPr txBox="1"/>
+          <p:nvPr/>
+        </p:nvSpPr>
+        <p:spPr>
+          <a:xfrm>
+            <a:off x="9601200" y="6217920"/>
+            <a:ext cx="1371600" cy="274320"/>
+          </a:xfrm>
+          <a:prstGeom prst="rect">
+            <a:avLst/>
+          </a:prstGeom>
+          <a:noFill/>
+        </p:spPr>
+        <p:txBody>
+          <a:bodyPr wrap="square" lIns="0" tIns="0" rIns="0" bIns="0" rtlCol="0" anchor="t">
+            <a:noAutofit/>
+          </a:bodyPr>
+          <a:lstStyle/>
+          <a:p>
+            <a:pPr algn="ctr"/>
+            <a:r>
+              <a:rPr lang="en-US" sz="1600" b="1" dirty="0">
+                <a:ln w="9525">
+                  <a:solidFill>
+                    <a:srgbClr val="E77721"/>
+                  </a:solidFill>
+                </a:ln>
+                <a:effectLst>
+                  <a:outerShdw blurRad="38100" dist="38100" dir="2700000" algn="tl">
+                    <a:srgbClr val="000000">
+                      <a:alpha val="43137"/>
+                    </a:srgbClr>
+                  </a:outerShdw>
+                </a:effectLst>
+                <a:latin typeface="+mj-lt"/>
+                <a:ea typeface="Cambria Math" panose="02040503050406030204" pitchFamily="18" charset="0"/>
+              </a:rPr>
+              <a:t>2020 –</a:t>
+            </a:r>
+          </a:p>
+        </p:txBody>
+      </p:sp>
+      <p:sp>
+        <p:nvSpPr>
+          <p:cNvPr id="44" name="TextBox 43">
+            <a:extLst>
+              <a:ext uri="{FF2B5EF4-FFF2-40B4-BE49-F238E27FC236}">
+                <a16:creationId xmlns:a16="http://schemas.microsoft.com/office/drawing/2014/main" id="{F2C8FDD4-BF69-4A45-997F-C729F775C2B4}"/>
+              </a:ext>
+            </a:extLst>
+          </p:cNvPr>
+          <p:cNvSpPr txBox="1"/>
+          <p:nvPr/>
+        </p:nvSpPr>
+        <p:spPr>
+          <a:xfrm>
+            <a:off x="8778240" y="5852160"/>
+            <a:ext cx="3017520" cy="274320"/>
+          </a:xfrm>
+          <a:prstGeom prst="rect">
+            <a:avLst/>
+          </a:prstGeom>
+          <a:noFill/>
+        </p:spPr>
+        <p:txBody>
+          <a:bodyPr wrap="square" lIns="0" tIns="0" rIns="0" bIns="0" rtlCol="0" anchor="b">
+            <a:noAutofit/>
+          </a:bodyPr>
+          <a:lstStyle/>
+          <a:p>
+            <a:pPr algn="ctr"/>
+            <a:r>
+              <a:rPr lang="en-US" sz="1600" dirty="0">
+                <a:ln w="9525">
+                  <a:solidFill>
+                    <a:srgbClr val="E77721"/>
+                  </a:solidFill>
+                </a:ln>
+                <a:latin typeface="+mj-lt"/>
+                <a:ea typeface="Cambria Math" panose="02040503050406030204" pitchFamily="18" charset="0"/>
+              </a:rPr>
+              <a:t>Postdoctoral Research Associate</a:t>
+            </a:r>
+          </a:p>
+          <a:p>
+            <a:pPr algn="ctr"/>
+            <a:r>
+              <a:rPr lang="en-US" sz="1600" dirty="0">
+                <a:ln w="9525">
+                  <a:solidFill>
+                    <a:srgbClr val="E77721"/>
+                  </a:solidFill>
+                </a:ln>
+                <a:latin typeface="+mj-lt"/>
+                <a:ea typeface="Cambria Math" panose="02040503050406030204" pitchFamily="18" charset="0"/>
+              </a:rPr>
+              <a:t>Chemical &amp; Biological Engineering</a:t>
+            </a:r>
+          </a:p>
+        </p:txBody>
+      </p:sp>
+      <p:sp>
+        <p:nvSpPr>
+          <p:cNvPr id="45" name="Arrow: Right 44">
+            <a:extLst>
+              <a:ext uri="{FF2B5EF4-FFF2-40B4-BE49-F238E27FC236}">
+                <a16:creationId xmlns:a16="http://schemas.microsoft.com/office/drawing/2014/main" id="{82A338B4-C91D-4C0F-B0FF-67FCF36B20AE}"/>
+              </a:ext>
+            </a:extLst>
+          </p:cNvPr>
+          <p:cNvSpPr/>
+          <p:nvPr/>
+        </p:nvSpPr>
+        <p:spPr>
+          <a:xfrm>
+            <a:off x="9288838" y="3298395"/>
+            <a:ext cx="274320" cy="274315"/>
+          </a:xfrm>
+          <a:prstGeom prst="rightArrow">
+            <a:avLst/>
+          </a:prstGeom>
+          <a:solidFill>
+            <a:schemeClr val="bg2"/>
+          </a:solidFill>
+          <a:ln>
+            <a:solidFill>
+              <a:schemeClr val="tx1"/>
+            </a:solidFill>
+          </a:ln>
+        </p:spPr>
+        <p:style>
+          <a:lnRef idx="2">
+            <a:schemeClr val="accent1">
+              <a:shade val="50000"/>
+            </a:schemeClr>
+          </a:lnRef>
+          <a:fillRef idx="1">
+            <a:schemeClr val="accent1"/>
+          </a:fillRef>
+          <a:effectRef idx="0">
+            <a:schemeClr val="accent1"/>
+          </a:effectRef>
+          <a:fontRef idx="minor">
+            <a:schemeClr val="lt1"/>
+          </a:fontRef>
+        </p:style>
+        <p:txBody>
+          <a:bodyPr rtlCol="0" anchor="ctr"/>
+          <a:lstStyle/>
+          <a:p>
+            <a:pPr algn="ctr"/>
+            <a:endParaRPr lang="en-US">
+              <a:latin typeface="+mj-lt"/>
+            </a:endParaRPr>
+          </a:p>
+        </p:txBody>
+      </p:sp>
+      <p:sp>
+        <p:nvSpPr>
+          <p:cNvPr id="46" name="TextBox 45">
+            <a:extLst>
+              <a:ext uri="{FF2B5EF4-FFF2-40B4-BE49-F238E27FC236}">
+                <a16:creationId xmlns:a16="http://schemas.microsoft.com/office/drawing/2014/main" id="{5DA2E67A-497F-4345-9CD2-78A33B539B0B}"/>
+              </a:ext>
+            </a:extLst>
+          </p:cNvPr>
+          <p:cNvSpPr txBox="1"/>
+          <p:nvPr/>
+        </p:nvSpPr>
+        <p:spPr>
+          <a:xfrm>
+            <a:off x="11064240" y="3794267"/>
+            <a:ext cx="914400" cy="274320"/>
+          </a:xfrm>
+          <a:prstGeom prst="rect">
+            <a:avLst/>
+          </a:prstGeom>
+          <a:noFill/>
+        </p:spPr>
+        <p:txBody>
+          <a:bodyPr wrap="square" lIns="0" tIns="0" rIns="0" bIns="0" rtlCol="0" anchor="ctr">
+            <a:noAutofit/>
+          </a:bodyPr>
+          <a:lstStyle/>
+          <a:p>
+            <a:pPr algn="ctr"/>
+            <a:r>
+              <a:rPr lang="en-US" sz="1200" b="1" spc="-50" dirty="0">
+                <a:solidFill>
+                  <a:srgbClr val="E77721"/>
+                </a:solidFill>
+                <a:effectLst>
+                  <a:outerShdw blurRad="38100" dist="38100" dir="2700000" algn="tl">
+                    <a:srgbClr val="000000">
+                      <a:alpha val="43137"/>
+                    </a:srgbClr>
+                  </a:outerShdw>
+                </a:effectLst>
+                <a:latin typeface="+mj-lt"/>
+                <a:ea typeface="Cambria Math" panose="02040503050406030204" pitchFamily="18" charset="0"/>
+              </a:rPr>
+              <a:t>M.A. Webb</a:t>
+            </a:r>
+          </a:p>
+        </p:txBody>
+      </p:sp>
+      <p:pic>
+        <p:nvPicPr>
+          <p:cNvPr id="48" name="Picture 18" descr="Northwestern University - Wikipedia">
+            <a:extLst>
+              <a:ext uri="{FF2B5EF4-FFF2-40B4-BE49-F238E27FC236}">
+                <a16:creationId xmlns:a16="http://schemas.microsoft.com/office/drawing/2014/main" id="{85D88216-D945-4E82-9D4A-00374BF9A334}"/>
+              </a:ext>
+            </a:extLst>
+          </p:cNvPr>
+          <p:cNvPicPr>
+            <a:picLocks noChangeAspect="1" noChangeArrowheads="1"/>
+          </p:cNvPicPr>
+          <p:nvPr/>
+        </p:nvPicPr>
+        <p:blipFill>
+          <a:blip r:embed="rId16">
+            <a:extLst>
+              <a:ext uri="{28A0092B-C50C-407E-A947-70E740481C1C}">
+                <a14:useLocalDpi xmlns:a14="http://schemas.microsoft.com/office/drawing/2010/main" val="0"/>
+              </a:ext>
+            </a:extLst>
+          </a:blip>
+          <a:srcRect/>
+          <a:stretch>
+            <a:fillRect/>
+          </a:stretch>
+        </p:blipFill>
+        <p:spPr bwMode="auto">
+          <a:xfrm>
+            <a:off x="6908108" y="491965"/>
+            <a:ext cx="1371600" cy="1371600"/>
+          </a:xfrm>
+          <a:prstGeom prst="rect">
+            <a:avLst/>
+          </a:prstGeom>
+          <a:noFill/>
+          <a:extLst>
+            <a:ext uri="{909E8E84-426E-40DD-AFC4-6F175D3DCCD1}">
+              <a14:hiddenFill xmlns:a14="http://schemas.microsoft.com/office/drawing/2010/main">
+                <a:solidFill>
+                  <a:srgbClr val="FFFFFF"/>
+                </a:solidFill>
+              </a14:hiddenFill>
+            </a:ext>
+          </a:extLst>
+        </p:spPr>
+      </p:pic>
+      <p:sp>
+        <p:nvSpPr>
+          <p:cNvPr id="49" name="Oval 48">
+            <a:extLst>
+              <a:ext uri="{FF2B5EF4-FFF2-40B4-BE49-F238E27FC236}">
+                <a16:creationId xmlns:a16="http://schemas.microsoft.com/office/drawing/2014/main" id="{2A16C649-1044-4F56-B9DA-04BCB47C5F44}"/>
+              </a:ext>
+            </a:extLst>
+          </p:cNvPr>
+          <p:cNvSpPr/>
+          <p:nvPr/>
+        </p:nvSpPr>
+        <p:spPr>
+          <a:xfrm>
+            <a:off x="7228148" y="1942724"/>
+            <a:ext cx="731520" cy="731520"/>
+          </a:xfrm>
+          <a:prstGeom prst="ellipse">
+            <a:avLst/>
+          </a:prstGeom>
+          <a:blipFill>
+            <a:blip r:embed="rId17"/>
+            <a:stretch>
+              <a:fillRect/>
+            </a:stretch>
+          </a:blipFill>
+          <a:ln>
+            <a:solidFill>
+              <a:schemeClr val="tx1"/>
+            </a:solidFill>
+          </a:ln>
+        </p:spPr>
+        <p:style>
+          <a:lnRef idx="2">
+            <a:schemeClr val="accent1">
+              <a:shade val="50000"/>
+            </a:schemeClr>
+          </a:lnRef>
+          <a:fillRef idx="1">
+            <a:schemeClr val="accent1"/>
+          </a:fillRef>
+          <a:effectRef idx="0">
+            <a:schemeClr val="accent1"/>
+          </a:effectRef>
+          <a:fontRef idx="minor">
+            <a:schemeClr val="lt1"/>
+          </a:fontRef>
+        </p:style>
+        <p:txBody>
+          <a:bodyPr rtlCol="0" anchor="ctr"/>
+          <a:lstStyle/>
+          <a:p>
+            <a:pPr algn="ctr"/>
+            <a:endParaRPr lang="en-US">
+              <a:latin typeface="+mj-lt"/>
+            </a:endParaRPr>
+          </a:p>
+        </p:txBody>
+      </p:sp>
+      <p:sp>
+        <p:nvSpPr>
+          <p:cNvPr id="50" name="Oval 49">
+            <a:extLst>
+              <a:ext uri="{FF2B5EF4-FFF2-40B4-BE49-F238E27FC236}">
+                <a16:creationId xmlns:a16="http://schemas.microsoft.com/office/drawing/2014/main" id="{5CCF749F-DB27-46DE-AA36-A216F2CA9E00}"/>
+              </a:ext>
+            </a:extLst>
+          </p:cNvPr>
+          <p:cNvSpPr/>
+          <p:nvPr/>
+        </p:nvSpPr>
+        <p:spPr>
+          <a:xfrm>
+            <a:off x="8055496" y="1579604"/>
+            <a:ext cx="731520" cy="731520"/>
+          </a:xfrm>
+          <a:prstGeom prst="ellipse">
+            <a:avLst/>
+          </a:prstGeom>
+          <a:blipFill>
+            <a:blip r:embed="rId18"/>
+            <a:stretch>
+              <a:fillRect/>
+            </a:stretch>
+          </a:blipFill>
+          <a:ln>
+            <a:solidFill>
+              <a:schemeClr val="tx1"/>
+            </a:solidFill>
+          </a:ln>
+        </p:spPr>
+        <p:style>
+          <a:lnRef idx="2">
+            <a:schemeClr val="accent1">
+              <a:shade val="50000"/>
+            </a:schemeClr>
+          </a:lnRef>
+          <a:fillRef idx="1">
+            <a:schemeClr val="accent1"/>
+          </a:fillRef>
+          <a:effectRef idx="0">
+            <a:schemeClr val="accent1"/>
+          </a:effectRef>
+          <a:fontRef idx="minor">
+            <a:schemeClr val="lt1"/>
+          </a:fontRef>
+        </p:style>
+        <p:txBody>
+          <a:bodyPr rtlCol="0" anchor="ctr"/>
+          <a:lstStyle/>
+          <a:p>
+            <a:pPr algn="ctr"/>
+            <a:endParaRPr lang="en-US">
+              <a:latin typeface="+mj-lt"/>
+            </a:endParaRPr>
+          </a:p>
+        </p:txBody>
+      </p:sp>
+      <p:sp>
+        <p:nvSpPr>
+          <p:cNvPr id="51" name="TextBox 50">
+            <a:extLst>
+              <a:ext uri="{FF2B5EF4-FFF2-40B4-BE49-F238E27FC236}">
+                <a16:creationId xmlns:a16="http://schemas.microsoft.com/office/drawing/2014/main" id="{3449D9AA-CBFD-41B2-A06F-836B652677BB}"/>
+              </a:ext>
+            </a:extLst>
+          </p:cNvPr>
+          <p:cNvSpPr txBox="1"/>
+          <p:nvPr/>
+        </p:nvSpPr>
+        <p:spPr>
+          <a:xfrm>
+            <a:off x="8188268" y="1308514"/>
+            <a:ext cx="914400" cy="274320"/>
+          </a:xfrm>
+          <a:prstGeom prst="rect">
+            <a:avLst/>
+          </a:prstGeom>
+          <a:noFill/>
+        </p:spPr>
+        <p:txBody>
+          <a:bodyPr wrap="square" lIns="0" tIns="0" rIns="0" bIns="0" rtlCol="0" anchor="ctr">
+            <a:noAutofit/>
+          </a:bodyPr>
+          <a:lstStyle/>
+          <a:p>
+            <a:pPr algn="ctr"/>
+            <a:r>
+              <a:rPr lang="en-US" sz="1200" spc="-50" dirty="0">
+                <a:latin typeface="+mj-lt"/>
+                <a:ea typeface="Cambria Math" panose="02040503050406030204" pitchFamily="18" charset="0"/>
+              </a:rPr>
+              <a:t>M.A. Ratner</a:t>
+            </a:r>
+          </a:p>
+        </p:txBody>
+      </p:sp>
+      <p:sp>
+        <p:nvSpPr>
+          <p:cNvPr id="52" name="TextBox 51">
+            <a:extLst>
+              <a:ext uri="{FF2B5EF4-FFF2-40B4-BE49-F238E27FC236}">
+                <a16:creationId xmlns:a16="http://schemas.microsoft.com/office/drawing/2014/main" id="{0954DD60-23BC-4870-83E4-9044E1F55560}"/>
+              </a:ext>
+            </a:extLst>
+          </p:cNvPr>
+          <p:cNvSpPr txBox="1"/>
+          <p:nvPr/>
+        </p:nvSpPr>
+        <p:spPr>
+          <a:xfrm>
+            <a:off x="7822391" y="2441456"/>
+            <a:ext cx="914400" cy="274320"/>
+          </a:xfrm>
+          <a:prstGeom prst="rect">
+            <a:avLst/>
+          </a:prstGeom>
+          <a:noFill/>
+        </p:spPr>
+        <p:txBody>
+          <a:bodyPr wrap="square" lIns="0" tIns="0" rIns="0" bIns="0" rtlCol="0" anchor="ctr">
+            <a:noAutofit/>
+          </a:bodyPr>
+          <a:lstStyle/>
+          <a:p>
+            <a:pPr algn="ctr"/>
+            <a:r>
+              <a:rPr lang="en-US" sz="1200" spc="-50" dirty="0">
+                <a:latin typeface="+mj-lt"/>
+                <a:ea typeface="Cambria Math" panose="02040503050406030204" pitchFamily="18" charset="0"/>
+              </a:rPr>
+              <a:t>G.C. Schatz</a:t>
+            </a:r>
+          </a:p>
+        </p:txBody>
+      </p:sp>
+      <p:cxnSp>
+        <p:nvCxnSpPr>
+          <p:cNvPr id="54" name="Straight Connector 53">
+            <a:extLst>
+              <a:ext uri="{FF2B5EF4-FFF2-40B4-BE49-F238E27FC236}">
+                <a16:creationId xmlns:a16="http://schemas.microsoft.com/office/drawing/2014/main" id="{58B0F783-61D1-4C93-8E2B-5477BC75D585}"/>
+              </a:ext>
+            </a:extLst>
+          </p:cNvPr>
+          <p:cNvCxnSpPr/>
+          <p:nvPr/>
+        </p:nvCxnSpPr>
+        <p:spPr>
+          <a:xfrm>
+            <a:off x="3620615" y="418871"/>
+            <a:ext cx="0" cy="5212080"/>
+          </a:xfrm>
+          <a:prstGeom prst="line">
+            <a:avLst/>
+          </a:prstGeom>
+          <a:ln w="25400" cap="rnd">
+            <a:solidFill>
+              <a:schemeClr val="tx1"/>
+            </a:solidFill>
+            <a:prstDash val="sysDot"/>
+          </a:ln>
+        </p:spPr>
+        <p:style>
+          <a:lnRef idx="1">
+            <a:schemeClr val="accent1"/>
+          </a:lnRef>
+          <a:fillRef idx="0">
+            <a:schemeClr val="accent1"/>
+          </a:fillRef>
+          <a:effectRef idx="0">
+            <a:schemeClr val="accent1"/>
+          </a:effectRef>
+          <a:fontRef idx="minor">
+            <a:schemeClr val="tx1"/>
+          </a:fontRef>
+        </p:style>
+      </p:cxnSp>
+      <p:sp>
+        <p:nvSpPr>
+          <p:cNvPr id="55" name="TextBox 54">
+            <a:extLst>
+              <a:ext uri="{FF2B5EF4-FFF2-40B4-BE49-F238E27FC236}">
+                <a16:creationId xmlns:a16="http://schemas.microsoft.com/office/drawing/2014/main" id="{222199B3-DFC0-4C3F-9C47-FB6C7FA644F1}"/>
+              </a:ext>
+            </a:extLst>
+          </p:cNvPr>
+          <p:cNvSpPr txBox="1"/>
+          <p:nvPr/>
+        </p:nvSpPr>
+        <p:spPr>
+          <a:xfrm>
+            <a:off x="4394544" y="6217920"/>
+            <a:ext cx="1371600" cy="274320"/>
+          </a:xfrm>
+          <a:prstGeom prst="rect">
+            <a:avLst/>
+          </a:prstGeom>
+          <a:noFill/>
+        </p:spPr>
+        <p:txBody>
+          <a:bodyPr wrap="square" lIns="0" tIns="0" rIns="0" bIns="0" rtlCol="0" anchor="t">
+            <a:noAutofit/>
+          </a:bodyPr>
+          <a:lstStyle/>
+          <a:p>
+            <a:pPr algn="ctr"/>
+            <a:r>
+              <a:rPr lang="en-US" sz="1600" b="1" dirty="0">
+                <a:ln w="9525">
+                  <a:solidFill>
+                    <a:srgbClr val="CEB888"/>
+                  </a:solidFill>
+                </a:ln>
+                <a:effectLst>
+                  <a:outerShdw blurRad="38100" dist="38100" dir="2700000" algn="tl">
+                    <a:srgbClr val="000000">
+                      <a:alpha val="43137"/>
+                    </a:srgbClr>
+                  </a:outerShdw>
+                </a:effectLst>
+                <a:latin typeface="+mj-lt"/>
+                <a:ea typeface="Cambria Math" panose="02040503050406030204" pitchFamily="18" charset="0"/>
+              </a:rPr>
+              <a:t>2012 – 2017</a:t>
+            </a:r>
+          </a:p>
+        </p:txBody>
+      </p:sp>
+      <p:sp>
+        <p:nvSpPr>
+          <p:cNvPr id="56" name="TextBox 55">
+            <a:extLst>
+              <a:ext uri="{FF2B5EF4-FFF2-40B4-BE49-F238E27FC236}">
+                <a16:creationId xmlns:a16="http://schemas.microsoft.com/office/drawing/2014/main" id="{1BFD868B-09D9-4CE5-B40A-0D2FD7D0D6F1}"/>
+              </a:ext>
+            </a:extLst>
+          </p:cNvPr>
+          <p:cNvSpPr txBox="1"/>
+          <p:nvPr/>
+        </p:nvSpPr>
+        <p:spPr>
+          <a:xfrm>
+            <a:off x="4257384" y="5852160"/>
+            <a:ext cx="1645920" cy="274320"/>
+          </a:xfrm>
+          <a:prstGeom prst="rect">
+            <a:avLst/>
+          </a:prstGeom>
+          <a:noFill/>
+        </p:spPr>
+        <p:txBody>
+          <a:bodyPr wrap="square" lIns="0" tIns="0" rIns="0" bIns="0" rtlCol="0" anchor="b">
+            <a:noAutofit/>
+          </a:bodyPr>
+          <a:lstStyle/>
+          <a:p>
+            <a:pPr algn="ctr"/>
+            <a:r>
+              <a:rPr lang="en-US" sz="1600" dirty="0">
+                <a:ln w="9525">
+                  <a:solidFill>
+                    <a:srgbClr val="CEB888"/>
+                  </a:solidFill>
+                </a:ln>
+                <a:latin typeface="+mj-lt"/>
+                <a:ea typeface="Cambria Math" panose="02040503050406030204" pitchFamily="18" charset="0"/>
+              </a:rPr>
+              <a:t>Ph. D. in Chemistry</a:t>
+            </a:r>
+          </a:p>
+        </p:txBody>
+      </p:sp>
+      <p:sp>
+        <p:nvSpPr>
+          <p:cNvPr id="57" name="Oval 56">
+            <a:extLst>
+              <a:ext uri="{FF2B5EF4-FFF2-40B4-BE49-F238E27FC236}">
+                <a16:creationId xmlns:a16="http://schemas.microsoft.com/office/drawing/2014/main" id="{D1BC3C47-FD05-4BEF-BB7E-51F507A82977}"/>
+              </a:ext>
+            </a:extLst>
+          </p:cNvPr>
+          <p:cNvSpPr/>
+          <p:nvPr/>
+        </p:nvSpPr>
+        <p:spPr>
+          <a:xfrm>
+            <a:off x="6400800" y="1535997"/>
+            <a:ext cx="731520" cy="731520"/>
+          </a:xfrm>
+          <a:prstGeom prst="ellipse">
+            <a:avLst/>
+          </a:prstGeom>
+          <a:blipFill>
+            <a:blip r:embed="rId19"/>
+            <a:stretch>
+              <a:fillRect/>
+            </a:stretch>
+          </a:blipFill>
+          <a:ln>
+            <a:solidFill>
+              <a:schemeClr val="tx1"/>
+            </a:solidFill>
+          </a:ln>
+        </p:spPr>
+        <p:style>
+          <a:lnRef idx="2">
+            <a:schemeClr val="accent1">
+              <a:shade val="50000"/>
+            </a:schemeClr>
+          </a:lnRef>
+          <a:fillRef idx="1">
+            <a:schemeClr val="accent1"/>
+          </a:fillRef>
+          <a:effectRef idx="0">
+            <a:schemeClr val="accent1"/>
+          </a:effectRef>
+          <a:fontRef idx="minor">
+            <a:schemeClr val="lt1"/>
+          </a:fontRef>
+        </p:style>
+        <p:txBody>
+          <a:bodyPr rtlCol="0" anchor="ctr"/>
+          <a:lstStyle/>
+          <a:p>
+            <a:pPr algn="ctr"/>
+            <a:endParaRPr lang="en-US">
+              <a:latin typeface="+mj-lt"/>
+            </a:endParaRPr>
+          </a:p>
+        </p:txBody>
+      </p:sp>
+      <p:sp>
+        <p:nvSpPr>
+          <p:cNvPr id="58" name="TextBox 57">
+            <a:extLst>
+              <a:ext uri="{FF2B5EF4-FFF2-40B4-BE49-F238E27FC236}">
+                <a16:creationId xmlns:a16="http://schemas.microsoft.com/office/drawing/2014/main" id="{05CB5113-93E8-4C72-A6DE-978BCB4A418A}"/>
+              </a:ext>
+            </a:extLst>
+          </p:cNvPr>
+          <p:cNvSpPr txBox="1"/>
+          <p:nvPr/>
+        </p:nvSpPr>
+        <p:spPr>
+          <a:xfrm>
+            <a:off x="6261720" y="2254558"/>
+            <a:ext cx="914400" cy="274320"/>
+          </a:xfrm>
+          <a:prstGeom prst="rect">
+            <a:avLst/>
+          </a:prstGeom>
+          <a:noFill/>
+        </p:spPr>
+        <p:txBody>
+          <a:bodyPr wrap="square" lIns="0" tIns="0" rIns="0" bIns="0" rtlCol="0" anchor="ctr">
+            <a:noAutofit/>
+          </a:bodyPr>
+          <a:lstStyle/>
+          <a:p>
+            <a:pPr algn="ctr"/>
+            <a:r>
+              <a:rPr lang="en-US" sz="1200" spc="-50" dirty="0">
+                <a:latin typeface="+mj-lt"/>
+                <a:ea typeface="Cambria Math" panose="02040503050406030204" pitchFamily="18" charset="0"/>
+              </a:rPr>
+              <a:t>M.A. Mosquera</a:t>
+            </a:r>
+          </a:p>
+        </p:txBody>
+      </p:sp>
+      <p:grpSp>
+        <p:nvGrpSpPr>
+          <p:cNvPr id="59" name="Group 58">
+            <a:extLst>
+              <a:ext uri="{FF2B5EF4-FFF2-40B4-BE49-F238E27FC236}">
+                <a16:creationId xmlns:a16="http://schemas.microsoft.com/office/drawing/2014/main" id="{39305587-0F1A-4B20-8966-ED582F79320A}"/>
+              </a:ext>
+            </a:extLst>
+          </p:cNvPr>
+          <p:cNvGrpSpPr/>
+          <p:nvPr/>
+        </p:nvGrpSpPr>
+        <p:grpSpPr>
+          <a:xfrm>
+            <a:off x="4350174" y="2662675"/>
+            <a:ext cx="1463040" cy="1463040"/>
+            <a:chOff x="4350174" y="2701003"/>
+            <a:chExt cx="1463040" cy="1463040"/>
+          </a:xfrm>
+        </p:grpSpPr>
+        <p:sp>
+          <p:nvSpPr>
+            <p:cNvPr id="71" name="Oval 70">
+              <a:extLst>
+                <a:ext uri="{FF2B5EF4-FFF2-40B4-BE49-F238E27FC236}">
+                  <a16:creationId xmlns:a16="http://schemas.microsoft.com/office/drawing/2014/main" id="{94BAC585-2384-4136-AB97-94A99BD539E6}"/>
+                </a:ext>
+              </a:extLst>
+            </p:cNvPr>
+            <p:cNvSpPr/>
+            <p:nvPr/>
+          </p:nvSpPr>
+          <p:spPr>
+            <a:xfrm>
+              <a:off x="4350174" y="2701003"/>
+              <a:ext cx="1463040" cy="1463040"/>
+            </a:xfrm>
+            <a:prstGeom prst="ellipse">
+              <a:avLst/>
+            </a:prstGeom>
+            <a:solidFill>
+              <a:srgbClr val="CEB888"/>
+            </a:solidFill>
+            <a:ln>
+              <a:noFill/>
+            </a:ln>
+          </p:spPr>
+          <p:style>
+            <a:lnRef idx="2">
+              <a:schemeClr val="accent1">
+                <a:shade val="50000"/>
+              </a:schemeClr>
+            </a:lnRef>
+            <a:fillRef idx="1">
+              <a:schemeClr val="accent1"/>
+            </a:fillRef>
+            <a:effectRef idx="0">
+              <a:schemeClr val="accent1"/>
+            </a:effectRef>
+            <a:fontRef idx="minor">
+              <a:schemeClr val="lt1"/>
+            </a:fontRef>
+          </p:style>
+          <p:txBody>
+            <a:bodyPr rtlCol="0" anchor="ctr"/>
+            <a:lstStyle/>
+            <a:p>
+              <a:pPr algn="ctr"/>
+              <a:endParaRPr lang="en-US">
+                <a:latin typeface="+mj-lt"/>
+              </a:endParaRPr>
+            </a:p>
+          </p:txBody>
+        </p:sp>
+        <p:pic>
+          <p:nvPicPr>
+            <p:cNvPr id="72" name="Picture 71" descr="Purdue University - Wikipedia">
+              <a:extLst>
+                <a:ext uri="{FF2B5EF4-FFF2-40B4-BE49-F238E27FC236}">
+                  <a16:creationId xmlns:a16="http://schemas.microsoft.com/office/drawing/2014/main" id="{63D4628D-38D9-40F8-8446-752FDA3C8A89}"/>
+                </a:ext>
+              </a:extLst>
+            </p:cNvPr>
+            <p:cNvPicPr>
+              <a:picLocks noChangeAspect="1" noChangeArrowheads="1"/>
+            </p:cNvPicPr>
+            <p:nvPr/>
+          </p:nvPicPr>
+          <p:blipFill>
+            <a:blip r:embed="rId20">
+              <a:extLst>
+                <a:ext uri="{28A0092B-C50C-407E-A947-70E740481C1C}">
+                  <a14:useLocalDpi xmlns:a14="http://schemas.microsoft.com/office/drawing/2010/main" val="0"/>
+                </a:ext>
+              </a:extLst>
+            </a:blip>
+            <a:srcRect/>
+            <a:stretch>
+              <a:fillRect/>
+            </a:stretch>
+          </p:blipFill>
+          <p:spPr bwMode="auto">
+            <a:xfrm>
+              <a:off x="4394546" y="2754596"/>
+              <a:ext cx="1371600" cy="1348808"/>
+            </a:xfrm>
+            <a:prstGeom prst="rect">
+              <a:avLst/>
+            </a:prstGeom>
+            <a:noFill/>
+            <a:extLst>
+              <a:ext uri="{909E8E84-426E-40DD-AFC4-6F175D3DCCD1}">
+                <a14:hiddenFill xmlns:a14="http://schemas.microsoft.com/office/drawing/2010/main">
+                  <a:solidFill>
+                    <a:srgbClr val="FFFFFF"/>
+                  </a:solidFill>
+                </a14:hiddenFill>
+              </a:ext>
+            </a:extLst>
+          </p:spPr>
+        </p:pic>
+      </p:grpSp>
+      <p:sp>
+        <p:nvSpPr>
+          <p:cNvPr id="60" name="Oval 59">
+            <a:extLst>
+              <a:ext uri="{FF2B5EF4-FFF2-40B4-BE49-F238E27FC236}">
+                <a16:creationId xmlns:a16="http://schemas.microsoft.com/office/drawing/2014/main" id="{76319EFF-D08A-40D9-B8A3-81D7D4EC6695}"/>
+              </a:ext>
+            </a:extLst>
+          </p:cNvPr>
+          <p:cNvSpPr/>
+          <p:nvPr/>
+        </p:nvSpPr>
+        <p:spPr>
+          <a:xfrm>
+            <a:off x="5850210" y="2909187"/>
+            <a:ext cx="731520" cy="731520"/>
+          </a:xfrm>
+          <a:prstGeom prst="ellipse">
+            <a:avLst/>
+          </a:prstGeom>
+          <a:blipFill>
+            <a:blip r:embed="rId21"/>
+            <a:stretch>
+              <a:fillRect/>
+            </a:stretch>
+          </a:blipFill>
+          <a:ln>
+            <a:solidFill>
+              <a:schemeClr val="tx1"/>
+            </a:solidFill>
+          </a:ln>
+        </p:spPr>
+        <p:style>
+          <a:lnRef idx="2">
+            <a:schemeClr val="accent1">
+              <a:shade val="50000"/>
+            </a:schemeClr>
+          </a:lnRef>
+          <a:fillRef idx="1">
+            <a:schemeClr val="accent1"/>
+          </a:fillRef>
+          <a:effectRef idx="0">
+            <a:schemeClr val="accent1"/>
+          </a:effectRef>
+          <a:fontRef idx="minor">
+            <a:schemeClr val="lt1"/>
+          </a:fontRef>
+        </p:style>
+        <p:txBody>
+          <a:bodyPr rtlCol="0" anchor="ctr"/>
+          <a:lstStyle/>
+          <a:p>
+            <a:pPr algn="ctr"/>
+            <a:endParaRPr lang="en-US">
+              <a:latin typeface="+mj-lt"/>
+            </a:endParaRPr>
+          </a:p>
+        </p:txBody>
+      </p:sp>
+      <p:sp>
+        <p:nvSpPr>
+          <p:cNvPr id="61" name="Oval 60">
+            <a:extLst>
+              <a:ext uri="{FF2B5EF4-FFF2-40B4-BE49-F238E27FC236}">
+                <a16:creationId xmlns:a16="http://schemas.microsoft.com/office/drawing/2014/main" id="{6494F41B-6739-4DF2-B49F-A42138D931CA}"/>
+              </a:ext>
+            </a:extLst>
+          </p:cNvPr>
+          <p:cNvSpPr/>
+          <p:nvPr/>
+        </p:nvSpPr>
+        <p:spPr>
+          <a:xfrm>
+            <a:off x="4583184" y="4160302"/>
+            <a:ext cx="731520" cy="731520"/>
+          </a:xfrm>
+          <a:prstGeom prst="ellipse">
+            <a:avLst/>
+          </a:prstGeom>
+          <a:blipFill>
+            <a:blip r:embed="rId22"/>
+            <a:stretch>
+              <a:fillRect/>
+            </a:stretch>
+          </a:blipFill>
+          <a:ln>
+            <a:solidFill>
+              <a:schemeClr val="tx1"/>
+            </a:solidFill>
+          </a:ln>
+        </p:spPr>
+        <p:style>
+          <a:lnRef idx="2">
+            <a:schemeClr val="accent1">
+              <a:shade val="50000"/>
+            </a:schemeClr>
+          </a:lnRef>
+          <a:fillRef idx="1">
+            <a:schemeClr val="accent1"/>
+          </a:fillRef>
+          <a:effectRef idx="0">
+            <a:schemeClr val="accent1"/>
+          </a:effectRef>
+          <a:fontRef idx="minor">
+            <a:schemeClr val="lt1"/>
+          </a:fontRef>
+        </p:style>
+        <p:txBody>
+          <a:bodyPr rtlCol="0" anchor="ctr"/>
+          <a:lstStyle/>
+          <a:p>
+            <a:pPr algn="ctr"/>
+            <a:endParaRPr lang="en-US">
+              <a:latin typeface="+mj-lt"/>
+            </a:endParaRPr>
+          </a:p>
+        </p:txBody>
+      </p:sp>
+      <p:sp>
+        <p:nvSpPr>
+          <p:cNvPr id="62" name="Oval 61">
+            <a:extLst>
+              <a:ext uri="{FF2B5EF4-FFF2-40B4-BE49-F238E27FC236}">
+                <a16:creationId xmlns:a16="http://schemas.microsoft.com/office/drawing/2014/main" id="{6F6DBF4C-9303-4FAF-BB07-876D2DC9C575}"/>
+              </a:ext>
+            </a:extLst>
+          </p:cNvPr>
+          <p:cNvSpPr/>
+          <p:nvPr/>
+        </p:nvSpPr>
+        <p:spPr>
+          <a:xfrm>
+            <a:off x="4698342" y="1894997"/>
+            <a:ext cx="731520" cy="731520"/>
+          </a:xfrm>
+          <a:prstGeom prst="ellipse">
+            <a:avLst/>
+          </a:prstGeom>
+          <a:blipFill>
+            <a:blip r:embed="rId23">
+              <a:extLst>
+                <a:ext uri="{28A0092B-C50C-407E-A947-70E740481C1C}">
+                  <a14:useLocalDpi xmlns:a14="http://schemas.microsoft.com/office/drawing/2010/main" val="0"/>
+                </a:ext>
+              </a:extLst>
+            </a:blip>
+            <a:stretch>
+              <a:fillRect/>
+            </a:stretch>
+          </a:blipFill>
+          <a:ln>
+            <a:solidFill>
+              <a:schemeClr val="tx1"/>
+            </a:solidFill>
+          </a:ln>
+        </p:spPr>
+        <p:style>
+          <a:lnRef idx="2">
+            <a:schemeClr val="accent1">
+              <a:shade val="50000"/>
+            </a:schemeClr>
+          </a:lnRef>
+          <a:fillRef idx="1">
+            <a:schemeClr val="accent1"/>
+          </a:fillRef>
+          <a:effectRef idx="0">
+            <a:schemeClr val="accent1"/>
+          </a:effectRef>
+          <a:fontRef idx="minor">
+            <a:schemeClr val="lt1"/>
+          </a:fontRef>
+        </p:style>
+        <p:txBody>
+          <a:bodyPr rtlCol="0" anchor="ctr"/>
+          <a:lstStyle/>
+          <a:p>
+            <a:pPr algn="ctr"/>
+            <a:endParaRPr lang="en-US">
+              <a:latin typeface="+mj-lt"/>
+            </a:endParaRPr>
+          </a:p>
+        </p:txBody>
+      </p:sp>
+      <p:sp>
+        <p:nvSpPr>
+          <p:cNvPr id="63" name="Arrow: Right 62">
+            <a:extLst>
+              <a:ext uri="{FF2B5EF4-FFF2-40B4-BE49-F238E27FC236}">
+                <a16:creationId xmlns:a16="http://schemas.microsoft.com/office/drawing/2014/main" id="{AA113FDA-35BC-4C08-B478-C9780124BB21}"/>
+              </a:ext>
+            </a:extLst>
+          </p:cNvPr>
+          <p:cNvSpPr/>
+          <p:nvPr/>
+        </p:nvSpPr>
+        <p:spPr>
+          <a:xfrm>
+            <a:off x="3883629" y="3255631"/>
+            <a:ext cx="274320" cy="274315"/>
+          </a:xfrm>
+          <a:prstGeom prst="rightArrow">
+            <a:avLst/>
+          </a:prstGeom>
+          <a:solidFill>
+            <a:schemeClr val="bg2"/>
+          </a:solidFill>
+          <a:ln>
+            <a:solidFill>
+              <a:schemeClr val="tx1"/>
+            </a:solidFill>
+          </a:ln>
+        </p:spPr>
+        <p:style>
+          <a:lnRef idx="2">
+            <a:schemeClr val="accent1">
+              <a:shade val="50000"/>
+            </a:schemeClr>
+          </a:lnRef>
+          <a:fillRef idx="1">
+            <a:schemeClr val="accent1"/>
+          </a:fillRef>
+          <a:effectRef idx="0">
+            <a:schemeClr val="accent1"/>
+          </a:effectRef>
+          <a:fontRef idx="minor">
+            <a:schemeClr val="lt1"/>
+          </a:fontRef>
+        </p:style>
+        <p:txBody>
+          <a:bodyPr rtlCol="0" anchor="ctr"/>
+          <a:lstStyle/>
+          <a:p>
+            <a:pPr algn="ctr"/>
+            <a:endParaRPr lang="en-US">
+              <a:latin typeface="+mj-lt"/>
+            </a:endParaRPr>
+          </a:p>
+        </p:txBody>
+      </p:sp>
+      <p:sp>
+        <p:nvSpPr>
+          <p:cNvPr id="64" name="TextBox 63">
+            <a:extLst>
+              <a:ext uri="{FF2B5EF4-FFF2-40B4-BE49-F238E27FC236}">
+                <a16:creationId xmlns:a16="http://schemas.microsoft.com/office/drawing/2014/main" id="{B0E7C7D3-8A8F-4F89-AE58-5E93FD1F778A}"/>
+              </a:ext>
+            </a:extLst>
+          </p:cNvPr>
+          <p:cNvSpPr txBox="1"/>
+          <p:nvPr/>
+        </p:nvSpPr>
+        <p:spPr>
+          <a:xfrm>
+            <a:off x="5802352" y="3606745"/>
+            <a:ext cx="914400" cy="274320"/>
+          </a:xfrm>
+          <a:prstGeom prst="rect">
+            <a:avLst/>
+          </a:prstGeom>
+          <a:noFill/>
+        </p:spPr>
+        <p:txBody>
+          <a:bodyPr wrap="square" lIns="0" tIns="0" rIns="0" bIns="0" rtlCol="0" anchor="ctr">
+            <a:noAutofit/>
+          </a:bodyPr>
+          <a:lstStyle/>
+          <a:p>
+            <a:pPr algn="ctr"/>
+            <a:r>
+              <a:rPr lang="en-US" sz="1200" b="1" spc="-50" dirty="0">
+                <a:solidFill>
+                  <a:srgbClr val="CEB888"/>
+                </a:solidFill>
+                <a:effectLst>
+                  <a:outerShdw blurRad="38100" dist="38100" dir="2700000" algn="tl">
+                    <a:srgbClr val="000000">
+                      <a:alpha val="43137"/>
+                    </a:srgbClr>
+                  </a:outerShdw>
+                </a:effectLst>
+                <a:latin typeface="+mj-lt"/>
+                <a:ea typeface="Cambria Math" panose="02040503050406030204" pitchFamily="18" charset="0"/>
+              </a:rPr>
+              <a:t>L.V. </a:t>
+            </a:r>
+            <a:r>
+              <a:rPr lang="en-US" sz="1200" b="1" spc="-50" dirty="0" err="1">
+                <a:solidFill>
+                  <a:srgbClr val="CEB888"/>
+                </a:solidFill>
+                <a:effectLst>
+                  <a:outerShdw blurRad="38100" dist="38100" dir="2700000" algn="tl">
+                    <a:srgbClr val="000000">
+                      <a:alpha val="43137"/>
+                    </a:srgbClr>
+                  </a:outerShdw>
+                </a:effectLst>
+                <a:latin typeface="+mj-lt"/>
+                <a:ea typeface="Cambria Math" panose="02040503050406030204" pitchFamily="18" charset="0"/>
+              </a:rPr>
+              <a:t>Slipchenko</a:t>
+            </a:r>
+            <a:endParaRPr lang="en-US" sz="1200" b="1" spc="-50" dirty="0">
+              <a:solidFill>
+                <a:srgbClr val="CEB888"/>
+              </a:solidFill>
+              <a:effectLst>
+                <a:outerShdw blurRad="38100" dist="38100" dir="2700000" algn="tl">
+                  <a:srgbClr val="000000">
+                    <a:alpha val="43137"/>
+                  </a:srgbClr>
+                </a:outerShdw>
+              </a:effectLst>
+              <a:latin typeface="+mj-lt"/>
+              <a:ea typeface="Cambria Math" panose="02040503050406030204" pitchFamily="18" charset="0"/>
+            </a:endParaRPr>
+          </a:p>
+        </p:txBody>
+      </p:sp>
+      <p:sp>
+        <p:nvSpPr>
+          <p:cNvPr id="65" name="TextBox 64">
+            <a:extLst>
+              <a:ext uri="{FF2B5EF4-FFF2-40B4-BE49-F238E27FC236}">
+                <a16:creationId xmlns:a16="http://schemas.microsoft.com/office/drawing/2014/main" id="{24CCCF7E-6069-496A-804E-4E4A297AF36C}"/>
+              </a:ext>
+            </a:extLst>
+          </p:cNvPr>
+          <p:cNvSpPr txBox="1"/>
+          <p:nvPr/>
+        </p:nvSpPr>
+        <p:spPr>
+          <a:xfrm>
+            <a:off x="4568146" y="4883289"/>
+            <a:ext cx="914400" cy="274320"/>
+          </a:xfrm>
+          <a:prstGeom prst="rect">
+            <a:avLst/>
+          </a:prstGeom>
+          <a:noFill/>
+        </p:spPr>
+        <p:txBody>
+          <a:bodyPr wrap="square" lIns="0" tIns="0" rIns="0" bIns="0" rtlCol="0" anchor="ctr">
+            <a:noAutofit/>
+          </a:bodyPr>
+          <a:lstStyle/>
+          <a:p>
+            <a:pPr algn="ctr"/>
+            <a:r>
+              <a:rPr lang="en-US" sz="1200" spc="-50" dirty="0">
+                <a:latin typeface="+mj-lt"/>
+                <a:ea typeface="Cambria Math" panose="02040503050406030204" pitchFamily="18" charset="0"/>
+              </a:rPr>
+              <a:t>L.S. Taylor</a:t>
+            </a:r>
+          </a:p>
+        </p:txBody>
+      </p:sp>
+      <p:sp>
+        <p:nvSpPr>
+          <p:cNvPr id="66" name="Oval 65">
+            <a:extLst>
+              <a:ext uri="{FF2B5EF4-FFF2-40B4-BE49-F238E27FC236}">
+                <a16:creationId xmlns:a16="http://schemas.microsoft.com/office/drawing/2014/main" id="{F57FA0F0-8C0C-4050-921C-7D1BCB50795D}"/>
+              </a:ext>
+            </a:extLst>
+          </p:cNvPr>
+          <p:cNvSpPr/>
+          <p:nvPr/>
+        </p:nvSpPr>
+        <p:spPr>
+          <a:xfrm>
+            <a:off x="3873937" y="3814152"/>
+            <a:ext cx="731520" cy="731520"/>
+          </a:xfrm>
+          <a:prstGeom prst="ellipse">
+            <a:avLst/>
+          </a:prstGeom>
+          <a:blipFill>
+            <a:blip r:embed="rId24"/>
+            <a:stretch>
+              <a:fillRect/>
+            </a:stretch>
+          </a:blipFill>
+          <a:ln>
+            <a:solidFill>
+              <a:schemeClr val="tx1"/>
+            </a:solidFill>
+          </a:ln>
+        </p:spPr>
+        <p:style>
+          <a:lnRef idx="2">
+            <a:schemeClr val="accent1">
+              <a:shade val="50000"/>
+            </a:schemeClr>
+          </a:lnRef>
+          <a:fillRef idx="1">
+            <a:schemeClr val="accent1"/>
+          </a:fillRef>
+          <a:effectRef idx="0">
+            <a:schemeClr val="accent1"/>
+          </a:effectRef>
+          <a:fontRef idx="minor">
+            <a:schemeClr val="lt1"/>
+          </a:fontRef>
+        </p:style>
+        <p:txBody>
+          <a:bodyPr rtlCol="0" anchor="ctr"/>
+          <a:lstStyle/>
+          <a:p>
+            <a:pPr algn="ctr"/>
+            <a:endParaRPr lang="en-US">
+              <a:latin typeface="+mj-lt"/>
+            </a:endParaRPr>
+          </a:p>
+        </p:txBody>
+      </p:sp>
+      <p:sp>
+        <p:nvSpPr>
+          <p:cNvPr id="67" name="TextBox 66">
+            <a:extLst>
+              <a:ext uri="{FF2B5EF4-FFF2-40B4-BE49-F238E27FC236}">
+                <a16:creationId xmlns:a16="http://schemas.microsoft.com/office/drawing/2014/main" id="{BBF08A0E-F152-4914-9BE1-B658C48A6FE3}"/>
+              </a:ext>
+            </a:extLst>
+          </p:cNvPr>
+          <p:cNvSpPr txBox="1"/>
+          <p:nvPr/>
+        </p:nvSpPr>
+        <p:spPr>
+          <a:xfrm>
+            <a:off x="3719174" y="4530368"/>
+            <a:ext cx="834080" cy="274320"/>
+          </a:xfrm>
+          <a:prstGeom prst="rect">
+            <a:avLst/>
+          </a:prstGeom>
+          <a:noFill/>
+        </p:spPr>
+        <p:txBody>
+          <a:bodyPr wrap="square" lIns="0" tIns="0" rIns="0" bIns="0" rtlCol="0" anchor="ctr">
+            <a:noAutofit/>
+          </a:bodyPr>
+          <a:lstStyle/>
+          <a:p>
+            <a:pPr algn="ctr"/>
+            <a:r>
+              <a:rPr lang="en-US" sz="1200" spc="-50" dirty="0">
+                <a:latin typeface="+mj-lt"/>
+                <a:ea typeface="Cambria Math" panose="02040503050406030204" pitchFamily="18" charset="0"/>
+              </a:rPr>
+              <a:t>L.I. Mosquera</a:t>
+            </a:r>
+          </a:p>
+        </p:txBody>
+      </p:sp>
+      <p:sp>
+        <p:nvSpPr>
+          <p:cNvPr id="68" name="Oval 67">
+            <a:extLst>
+              <a:ext uri="{FF2B5EF4-FFF2-40B4-BE49-F238E27FC236}">
+                <a16:creationId xmlns:a16="http://schemas.microsoft.com/office/drawing/2014/main" id="{58111663-3574-49AB-86D0-726785AE2E55}"/>
+              </a:ext>
+            </a:extLst>
+          </p:cNvPr>
+          <p:cNvSpPr/>
+          <p:nvPr/>
+        </p:nvSpPr>
+        <p:spPr>
+          <a:xfrm>
+            <a:off x="3902150" y="2228220"/>
+            <a:ext cx="731520" cy="731520"/>
+          </a:xfrm>
+          <a:prstGeom prst="ellipse">
+            <a:avLst/>
+          </a:prstGeom>
+          <a:blipFill>
+            <a:blip r:embed="rId25"/>
+            <a:stretch>
+              <a:fillRect/>
+            </a:stretch>
+          </a:blipFill>
+          <a:ln>
+            <a:solidFill>
+              <a:schemeClr val="tx1"/>
+            </a:solidFill>
+          </a:ln>
+        </p:spPr>
+        <p:style>
+          <a:lnRef idx="2">
+            <a:schemeClr val="accent1">
+              <a:shade val="50000"/>
+            </a:schemeClr>
+          </a:lnRef>
+          <a:fillRef idx="1">
+            <a:schemeClr val="accent1"/>
+          </a:fillRef>
+          <a:effectRef idx="0">
+            <a:schemeClr val="accent1"/>
+          </a:effectRef>
+          <a:fontRef idx="minor">
+            <a:schemeClr val="lt1"/>
+          </a:fontRef>
+        </p:style>
+        <p:txBody>
+          <a:bodyPr rtlCol="0" anchor="ctr"/>
+          <a:lstStyle/>
+          <a:p>
+            <a:pPr algn="ctr"/>
+            <a:endParaRPr lang="en-US">
+              <a:latin typeface="+mj-lt"/>
+            </a:endParaRPr>
+          </a:p>
+        </p:txBody>
+      </p:sp>
+      <p:sp>
+        <p:nvSpPr>
+          <p:cNvPr id="69" name="TextBox 68">
+            <a:extLst>
+              <a:ext uri="{FF2B5EF4-FFF2-40B4-BE49-F238E27FC236}">
+                <a16:creationId xmlns:a16="http://schemas.microsoft.com/office/drawing/2014/main" id="{FDB93494-89A2-4AD0-8D87-71D3AB8E81CB}"/>
+              </a:ext>
+            </a:extLst>
+          </p:cNvPr>
+          <p:cNvSpPr txBox="1"/>
+          <p:nvPr/>
+        </p:nvSpPr>
+        <p:spPr>
+          <a:xfrm>
+            <a:off x="3694085" y="1969819"/>
+            <a:ext cx="914400" cy="274320"/>
+          </a:xfrm>
+          <a:prstGeom prst="rect">
+            <a:avLst/>
+          </a:prstGeom>
+          <a:noFill/>
+        </p:spPr>
+        <p:txBody>
+          <a:bodyPr wrap="square" lIns="0" tIns="0" rIns="0" bIns="0" rtlCol="0" anchor="ctr">
+            <a:noAutofit/>
+          </a:bodyPr>
+          <a:lstStyle/>
+          <a:p>
+            <a:pPr algn="ctr"/>
+            <a:r>
+              <a:rPr lang="en-US" sz="1200" spc="-50" dirty="0">
+                <a:latin typeface="+mj-lt"/>
+                <a:ea typeface="Cambria Math" panose="02040503050406030204" pitchFamily="18" charset="0"/>
+              </a:rPr>
+              <a:t>P.B. </a:t>
+            </a:r>
+            <a:r>
+              <a:rPr lang="en-US" sz="1200" spc="-50" dirty="0" err="1">
+                <a:latin typeface="+mj-lt"/>
+                <a:ea typeface="Cambria Math" panose="02040503050406030204" pitchFamily="18" charset="0"/>
+              </a:rPr>
+              <a:t>Shepson</a:t>
+            </a:r>
+            <a:endParaRPr lang="en-US" sz="1200" spc="-50" dirty="0">
+              <a:latin typeface="+mj-lt"/>
+              <a:ea typeface="Cambria Math" panose="02040503050406030204" pitchFamily="18" charset="0"/>
+            </a:endParaRPr>
+          </a:p>
+        </p:txBody>
+      </p:sp>
+      <p:sp>
+        <p:nvSpPr>
+          <p:cNvPr id="70" name="TextBox 69">
+            <a:extLst>
+              <a:ext uri="{FF2B5EF4-FFF2-40B4-BE49-F238E27FC236}">
+                <a16:creationId xmlns:a16="http://schemas.microsoft.com/office/drawing/2014/main" id="{54458D08-44F0-49E8-8A72-2159D46DEE1C}"/>
+              </a:ext>
+            </a:extLst>
+          </p:cNvPr>
+          <p:cNvSpPr txBox="1"/>
+          <p:nvPr/>
+        </p:nvSpPr>
+        <p:spPr>
+          <a:xfrm>
+            <a:off x="6215752" y="2606531"/>
+            <a:ext cx="914400" cy="274320"/>
+          </a:xfrm>
+          <a:prstGeom prst="rect">
+            <a:avLst/>
+          </a:prstGeom>
+          <a:noFill/>
+        </p:spPr>
+        <p:txBody>
+          <a:bodyPr wrap="square" lIns="0" tIns="0" rIns="0" bIns="0" rtlCol="0" anchor="ctr">
+            <a:noAutofit/>
+          </a:bodyPr>
+          <a:lstStyle/>
+          <a:p>
+            <a:pPr algn="ctr"/>
+            <a:r>
+              <a:rPr lang="en-US" sz="1200" spc="-50" dirty="0">
+                <a:latin typeface="+mj-lt"/>
+                <a:ea typeface="Cambria Math" panose="02040503050406030204" pitchFamily="18" charset="0"/>
+              </a:rPr>
+              <a:t>A. Wasserman</a:t>
+            </a:r>
+          </a:p>
+        </p:txBody>
+      </p:sp>
+      <p:sp>
+        <p:nvSpPr>
+          <p:cNvPr id="74" name="Oval 73">
+            <a:extLst>
+              <a:ext uri="{FF2B5EF4-FFF2-40B4-BE49-F238E27FC236}">
+                <a16:creationId xmlns:a16="http://schemas.microsoft.com/office/drawing/2014/main" id="{063F360B-FD2F-41A1-911F-D3C4AE725DC6}"/>
+              </a:ext>
+            </a:extLst>
+          </p:cNvPr>
+          <p:cNvSpPr/>
+          <p:nvPr/>
+        </p:nvSpPr>
+        <p:spPr>
+          <a:xfrm>
+            <a:off x="6431887" y="3882419"/>
+            <a:ext cx="731520" cy="731520"/>
+          </a:xfrm>
+          <a:prstGeom prst="ellipse">
+            <a:avLst/>
+          </a:prstGeom>
+          <a:blipFill>
+            <a:blip r:embed="rId26"/>
+            <a:stretch>
+              <a:fillRect/>
+            </a:stretch>
+          </a:blipFill>
+          <a:ln>
+            <a:solidFill>
+              <a:schemeClr val="tx1"/>
+            </a:solidFill>
+          </a:ln>
+        </p:spPr>
+        <p:style>
+          <a:lnRef idx="2">
+            <a:schemeClr val="accent1">
+              <a:shade val="50000"/>
+            </a:schemeClr>
+          </a:lnRef>
+          <a:fillRef idx="1">
+            <a:schemeClr val="accent1"/>
+          </a:fillRef>
+          <a:effectRef idx="0">
+            <a:schemeClr val="accent1"/>
+          </a:effectRef>
+          <a:fontRef idx="minor">
+            <a:schemeClr val="lt1"/>
+          </a:fontRef>
+        </p:style>
+        <p:txBody>
+          <a:bodyPr rtlCol="0" anchor="ctr"/>
+          <a:lstStyle/>
+          <a:p>
+            <a:pPr algn="ctr"/>
+            <a:endParaRPr lang="en-US">
+              <a:latin typeface="+mj-lt"/>
+            </a:endParaRPr>
+          </a:p>
+        </p:txBody>
+      </p:sp>
+      <p:sp>
+        <p:nvSpPr>
+          <p:cNvPr id="75" name="TextBox 74">
+            <a:extLst>
+              <a:ext uri="{FF2B5EF4-FFF2-40B4-BE49-F238E27FC236}">
+                <a16:creationId xmlns:a16="http://schemas.microsoft.com/office/drawing/2014/main" id="{751953BD-752F-4714-8494-E54C1D875F63}"/>
+              </a:ext>
+            </a:extLst>
+          </p:cNvPr>
+          <p:cNvSpPr txBox="1"/>
+          <p:nvPr/>
+        </p:nvSpPr>
+        <p:spPr>
+          <a:xfrm>
+            <a:off x="8465017" y="5280660"/>
+            <a:ext cx="1005840" cy="274320"/>
+          </a:xfrm>
+          <a:prstGeom prst="rect">
+            <a:avLst/>
+          </a:prstGeom>
+          <a:noFill/>
+        </p:spPr>
+        <p:txBody>
+          <a:bodyPr wrap="square" lIns="0" tIns="0" rIns="0" bIns="0" rtlCol="0" anchor="ctr">
+            <a:noAutofit/>
+          </a:bodyPr>
+          <a:lstStyle/>
+          <a:p>
+            <a:r>
+              <a:rPr lang="en-US" sz="1200" spc="-50" dirty="0">
+                <a:latin typeface="+mj-lt"/>
+                <a:ea typeface="Cambria Math" panose="02040503050406030204" pitchFamily="18" charset="0"/>
+              </a:rPr>
+              <a:t>D.R. </a:t>
+            </a:r>
+            <a:r>
+              <a:rPr lang="en-US" sz="1200" spc="-50" dirty="0" err="1">
+                <a:latin typeface="+mj-lt"/>
+                <a:ea typeface="Cambria Math" panose="02040503050406030204" pitchFamily="18" charset="0"/>
+              </a:rPr>
+              <a:t>Nascimiento</a:t>
+            </a:r>
+            <a:endParaRPr lang="en-US" sz="1200" spc="-50" dirty="0">
+              <a:latin typeface="+mj-lt"/>
+              <a:ea typeface="Cambria Math" panose="02040503050406030204" pitchFamily="18" charset="0"/>
+            </a:endParaRPr>
+          </a:p>
+        </p:txBody>
+      </p:sp>
+      <p:sp>
+        <p:nvSpPr>
+          <p:cNvPr id="76" name="Oval 75">
+            <a:extLst>
+              <a:ext uri="{FF2B5EF4-FFF2-40B4-BE49-F238E27FC236}">
+                <a16:creationId xmlns:a16="http://schemas.microsoft.com/office/drawing/2014/main" id="{435A3724-E864-4CE3-963A-ECC6510A89A8}"/>
+              </a:ext>
+            </a:extLst>
+          </p:cNvPr>
+          <p:cNvSpPr/>
+          <p:nvPr/>
+        </p:nvSpPr>
+        <p:spPr>
+          <a:xfrm>
+            <a:off x="1188720" y="4572000"/>
+            <a:ext cx="731520" cy="731520"/>
+          </a:xfrm>
+          <a:prstGeom prst="ellipse">
+            <a:avLst/>
+          </a:prstGeom>
+          <a:blipFill>
+            <a:blip r:embed="rId27"/>
+            <a:stretch>
+              <a:fillRect/>
+            </a:stretch>
+          </a:blipFill>
+          <a:ln>
+            <a:solidFill>
+              <a:schemeClr val="tx1"/>
+            </a:solidFill>
+          </a:ln>
+        </p:spPr>
+        <p:style>
+          <a:lnRef idx="2">
+            <a:schemeClr val="accent1">
+              <a:shade val="50000"/>
+            </a:schemeClr>
+          </a:lnRef>
+          <a:fillRef idx="1">
+            <a:schemeClr val="accent1"/>
+          </a:fillRef>
+          <a:effectRef idx="0">
+            <a:schemeClr val="accent1"/>
+          </a:effectRef>
+          <a:fontRef idx="minor">
+            <a:schemeClr val="lt1"/>
+          </a:fontRef>
+        </p:style>
+        <p:txBody>
+          <a:bodyPr rtlCol="0" anchor="ctr"/>
+          <a:lstStyle/>
+          <a:p>
+            <a:pPr algn="ctr"/>
+            <a:endParaRPr lang="en-US">
+              <a:latin typeface="+mj-lt"/>
+            </a:endParaRPr>
+          </a:p>
+        </p:txBody>
+      </p:sp>
+      <p:sp>
+        <p:nvSpPr>
+          <p:cNvPr id="77" name="TextBox 76">
+            <a:extLst>
+              <a:ext uri="{FF2B5EF4-FFF2-40B4-BE49-F238E27FC236}">
+                <a16:creationId xmlns:a16="http://schemas.microsoft.com/office/drawing/2014/main" id="{87648CE6-B122-43C2-804A-A2F0C30D51A7}"/>
+              </a:ext>
+            </a:extLst>
+          </p:cNvPr>
+          <p:cNvSpPr txBox="1"/>
+          <p:nvPr/>
+        </p:nvSpPr>
+        <p:spPr>
+          <a:xfrm>
+            <a:off x="1188720" y="5303520"/>
+            <a:ext cx="731519" cy="274320"/>
+          </a:xfrm>
+          <a:prstGeom prst="rect">
+            <a:avLst/>
+          </a:prstGeom>
+          <a:noFill/>
+        </p:spPr>
+        <p:txBody>
+          <a:bodyPr wrap="square" lIns="0" tIns="0" rIns="0" bIns="0" rtlCol="0" anchor="ctr">
+            <a:noAutofit/>
+          </a:bodyPr>
+          <a:lstStyle/>
+          <a:p>
+            <a:pPr algn="ctr"/>
+            <a:r>
+              <a:rPr lang="en-US" sz="1200" spc="-50" dirty="0">
+                <a:latin typeface="+mj-lt"/>
+                <a:ea typeface="Cambria Math" panose="02040503050406030204" pitchFamily="18" charset="0"/>
+              </a:rPr>
+              <a:t>J.F. Rivera</a:t>
+            </a:r>
+          </a:p>
+        </p:txBody>
+      </p:sp>
+      <p:sp>
+        <p:nvSpPr>
+          <p:cNvPr id="79" name="TextBox 78">
+            <a:extLst>
+              <a:ext uri="{FF2B5EF4-FFF2-40B4-BE49-F238E27FC236}">
+                <a16:creationId xmlns:a16="http://schemas.microsoft.com/office/drawing/2014/main" id="{32288A1F-A4DF-4B0B-8FFE-ED15E47097BB}"/>
+              </a:ext>
+            </a:extLst>
+          </p:cNvPr>
+          <p:cNvSpPr txBox="1"/>
+          <p:nvPr/>
+        </p:nvSpPr>
+        <p:spPr>
+          <a:xfrm>
+            <a:off x="7097491" y="4953602"/>
+            <a:ext cx="1005840" cy="274320"/>
+          </a:xfrm>
+          <a:prstGeom prst="rect">
+            <a:avLst/>
+          </a:prstGeom>
+          <a:noFill/>
+        </p:spPr>
+        <p:txBody>
+          <a:bodyPr wrap="square" lIns="0" tIns="0" rIns="0" bIns="0" rtlCol="0" anchor="ctr">
+            <a:noAutofit/>
+          </a:bodyPr>
+          <a:lstStyle/>
+          <a:p>
+            <a:r>
+              <a:rPr lang="en-US" sz="1200" spc="-50" dirty="0">
+                <a:latin typeface="+mj-lt"/>
+                <a:ea typeface="Cambria Math" panose="02040503050406030204" pitchFamily="18" charset="0"/>
+              </a:rPr>
+              <a:t>V.A. Rodríguez</a:t>
+            </a:r>
+          </a:p>
+        </p:txBody>
+      </p:sp>
+      <p:sp>
+        <p:nvSpPr>
+          <p:cNvPr id="80" name="Oval 79">
+            <a:extLst>
+              <a:ext uri="{FF2B5EF4-FFF2-40B4-BE49-F238E27FC236}">
+                <a16:creationId xmlns:a16="http://schemas.microsoft.com/office/drawing/2014/main" id="{5BBB6D3F-393B-4A37-BFA5-21354D27EA60}"/>
+              </a:ext>
+            </a:extLst>
+          </p:cNvPr>
+          <p:cNvSpPr/>
+          <p:nvPr/>
+        </p:nvSpPr>
+        <p:spPr>
+          <a:xfrm>
+            <a:off x="8869680" y="3748841"/>
+            <a:ext cx="731520" cy="731520"/>
+          </a:xfrm>
+          <a:prstGeom prst="ellipse">
+            <a:avLst/>
+          </a:prstGeom>
+          <a:blipFill>
+            <a:blip r:embed="rId28">
+              <a:extLst>
+                <a:ext uri="{28A0092B-C50C-407E-A947-70E740481C1C}">
+                  <a14:useLocalDpi xmlns:a14="http://schemas.microsoft.com/office/drawing/2010/main" val="0"/>
+                </a:ext>
+              </a:extLst>
+            </a:blip>
+            <a:stretch>
+              <a:fillRect/>
+            </a:stretch>
+          </a:blipFill>
+          <a:ln>
+            <a:solidFill>
+              <a:schemeClr val="tx1"/>
+            </a:solidFill>
+          </a:ln>
+        </p:spPr>
+        <p:style>
+          <a:lnRef idx="2">
+            <a:schemeClr val="accent1">
+              <a:shade val="50000"/>
+            </a:schemeClr>
+          </a:lnRef>
+          <a:fillRef idx="1">
+            <a:schemeClr val="accent1"/>
+          </a:fillRef>
+          <a:effectRef idx="0">
+            <a:schemeClr val="accent1"/>
+          </a:effectRef>
+          <a:fontRef idx="minor">
+            <a:schemeClr val="lt1"/>
+          </a:fontRef>
+        </p:style>
+        <p:txBody>
+          <a:bodyPr rtlCol="0" anchor="ctr"/>
+          <a:lstStyle/>
+          <a:p>
+            <a:pPr algn="ctr"/>
+            <a:endParaRPr lang="en-US" dirty="0">
+              <a:latin typeface="+mj-lt"/>
+            </a:endParaRPr>
+          </a:p>
+        </p:txBody>
+      </p:sp>
+      <p:sp>
+        <p:nvSpPr>
+          <p:cNvPr id="81" name="Oval 80">
+            <a:extLst>
+              <a:ext uri="{FF2B5EF4-FFF2-40B4-BE49-F238E27FC236}">
+                <a16:creationId xmlns:a16="http://schemas.microsoft.com/office/drawing/2014/main" id="{4162499D-EC33-4311-B1FE-ED40347017D4}"/>
+              </a:ext>
+            </a:extLst>
+          </p:cNvPr>
+          <p:cNvSpPr/>
+          <p:nvPr/>
+        </p:nvSpPr>
+        <p:spPr>
+          <a:xfrm>
+            <a:off x="8602177" y="4559014"/>
+            <a:ext cx="731520" cy="731520"/>
+          </a:xfrm>
+          <a:prstGeom prst="ellipse">
+            <a:avLst/>
+          </a:prstGeom>
+          <a:blipFill>
+            <a:blip r:embed="rId29"/>
+            <a:stretch>
+              <a:fillRect/>
+            </a:stretch>
+          </a:blipFill>
+          <a:ln>
+            <a:solidFill>
+              <a:schemeClr val="tx1"/>
+            </a:solidFill>
+          </a:ln>
+        </p:spPr>
+        <p:style>
+          <a:lnRef idx="2">
+            <a:schemeClr val="accent1">
+              <a:shade val="50000"/>
+            </a:schemeClr>
+          </a:lnRef>
+          <a:fillRef idx="1">
+            <a:schemeClr val="accent1"/>
+          </a:fillRef>
+          <a:effectRef idx="0">
+            <a:schemeClr val="accent1"/>
+          </a:effectRef>
+          <a:fontRef idx="minor">
+            <a:schemeClr val="lt1"/>
+          </a:fontRef>
+        </p:style>
+        <p:txBody>
+          <a:bodyPr rtlCol="0" anchor="ctr"/>
+          <a:lstStyle/>
+          <a:p>
+            <a:pPr algn="ctr"/>
+            <a:endParaRPr lang="en-US" dirty="0">
+              <a:latin typeface="+mj-lt"/>
+            </a:endParaRPr>
+          </a:p>
+        </p:txBody>
+      </p:sp>
+      <p:sp>
+        <p:nvSpPr>
+          <p:cNvPr id="82" name="TextBox 81">
+            <a:extLst>
+              <a:ext uri="{FF2B5EF4-FFF2-40B4-BE49-F238E27FC236}">
+                <a16:creationId xmlns:a16="http://schemas.microsoft.com/office/drawing/2014/main" id="{2DA97A9C-76F7-46BC-9EC1-7C3DD8765AFC}"/>
+              </a:ext>
+            </a:extLst>
+          </p:cNvPr>
+          <p:cNvSpPr txBox="1"/>
+          <p:nvPr/>
+        </p:nvSpPr>
+        <p:spPr>
+          <a:xfrm>
+            <a:off x="8031032" y="4597654"/>
+            <a:ext cx="603760" cy="274320"/>
+          </a:xfrm>
+          <a:prstGeom prst="rect">
+            <a:avLst/>
+          </a:prstGeom>
+          <a:noFill/>
+        </p:spPr>
+        <p:txBody>
+          <a:bodyPr wrap="square" lIns="0" tIns="0" rIns="0" bIns="0" rtlCol="0" anchor="ctr">
+            <a:noAutofit/>
+          </a:bodyPr>
+          <a:lstStyle/>
+          <a:p>
+            <a:r>
+              <a:rPr lang="en-US" sz="1200" spc="-50" dirty="0">
+                <a:latin typeface="+mj-lt"/>
+                <a:ea typeface="Cambria Math" panose="02040503050406030204" pitchFamily="18" charset="0"/>
+              </a:rPr>
+              <a:t>B.W Bakr</a:t>
+            </a:r>
+          </a:p>
+        </p:txBody>
+      </p:sp>
+      <p:sp>
+        <p:nvSpPr>
+          <p:cNvPr id="83" name="Oval 82">
+            <a:extLst>
+              <a:ext uri="{FF2B5EF4-FFF2-40B4-BE49-F238E27FC236}">
+                <a16:creationId xmlns:a16="http://schemas.microsoft.com/office/drawing/2014/main" id="{3835CB8D-4B34-4558-9DEF-E18BF19DDD07}"/>
+              </a:ext>
+            </a:extLst>
+          </p:cNvPr>
+          <p:cNvSpPr/>
+          <p:nvPr/>
+        </p:nvSpPr>
+        <p:spPr>
+          <a:xfrm>
+            <a:off x="9425998" y="4416026"/>
+            <a:ext cx="731520" cy="731520"/>
+          </a:xfrm>
+          <a:prstGeom prst="ellipse">
+            <a:avLst/>
+          </a:prstGeom>
+          <a:blipFill>
+            <a:blip r:embed="rId30">
+              <a:extLst>
+                <a:ext uri="{28A0092B-C50C-407E-A947-70E740481C1C}">
+                  <a14:useLocalDpi xmlns:a14="http://schemas.microsoft.com/office/drawing/2010/main" val="0"/>
+                </a:ext>
+              </a:extLst>
+            </a:blip>
+            <a:stretch>
+              <a:fillRect/>
+            </a:stretch>
+          </a:blipFill>
+          <a:ln>
+            <a:solidFill>
+              <a:schemeClr val="tx1"/>
+            </a:solidFill>
+          </a:ln>
+        </p:spPr>
+        <p:style>
+          <a:lnRef idx="2">
+            <a:schemeClr val="accent1">
+              <a:shade val="50000"/>
+            </a:schemeClr>
+          </a:lnRef>
+          <a:fillRef idx="1">
+            <a:schemeClr val="accent1"/>
+          </a:fillRef>
+          <a:effectRef idx="0">
+            <a:schemeClr val="accent1"/>
+          </a:effectRef>
+          <a:fontRef idx="minor">
+            <a:schemeClr val="lt1"/>
+          </a:fontRef>
+        </p:style>
+        <p:txBody>
+          <a:bodyPr rtlCol="0" anchor="ctr"/>
+          <a:lstStyle/>
+          <a:p>
+            <a:pPr algn="ctr"/>
+            <a:endParaRPr lang="en-US" dirty="0">
+              <a:latin typeface="+mj-lt"/>
+            </a:endParaRPr>
+          </a:p>
+        </p:txBody>
+      </p:sp>
+      <p:sp>
+        <p:nvSpPr>
+          <p:cNvPr id="84" name="TextBox 83">
+            <a:extLst>
+              <a:ext uri="{FF2B5EF4-FFF2-40B4-BE49-F238E27FC236}">
+                <a16:creationId xmlns:a16="http://schemas.microsoft.com/office/drawing/2014/main" id="{EF5C12BA-D6CC-4F24-9FA1-8B90AFE54B08}"/>
+              </a:ext>
+            </a:extLst>
+          </p:cNvPr>
+          <p:cNvSpPr txBox="1"/>
+          <p:nvPr/>
+        </p:nvSpPr>
+        <p:spPr>
+          <a:xfrm>
+            <a:off x="9102668" y="3516575"/>
+            <a:ext cx="607215" cy="274320"/>
+          </a:xfrm>
+          <a:prstGeom prst="rect">
+            <a:avLst/>
+          </a:prstGeom>
+          <a:noFill/>
+        </p:spPr>
+        <p:txBody>
+          <a:bodyPr wrap="square" lIns="0" tIns="0" rIns="0" bIns="0" rtlCol="0" anchor="ctr">
+            <a:noAutofit/>
+          </a:bodyPr>
+          <a:lstStyle/>
+          <a:p>
+            <a:r>
+              <a:rPr lang="en-US" sz="1200" spc="-50" dirty="0">
+                <a:latin typeface="+mj-lt"/>
+                <a:ea typeface="Cambria Math" panose="02040503050406030204" pitchFamily="18" charset="0"/>
+              </a:rPr>
+              <a:t>L.A. Burns</a:t>
+            </a:r>
+          </a:p>
+        </p:txBody>
+      </p:sp>
+      <p:sp>
+        <p:nvSpPr>
+          <p:cNvPr id="85" name="TextBox 84">
+            <a:extLst>
+              <a:ext uri="{FF2B5EF4-FFF2-40B4-BE49-F238E27FC236}">
+                <a16:creationId xmlns:a16="http://schemas.microsoft.com/office/drawing/2014/main" id="{2BE18F62-E925-4798-BF8E-54549D11DC22}"/>
+              </a:ext>
+            </a:extLst>
+          </p:cNvPr>
+          <p:cNvSpPr txBox="1"/>
+          <p:nvPr/>
+        </p:nvSpPr>
+        <p:spPr>
+          <a:xfrm>
+            <a:off x="9358009" y="5143500"/>
+            <a:ext cx="867497" cy="274320"/>
+          </a:xfrm>
+          <a:prstGeom prst="rect">
+            <a:avLst/>
+          </a:prstGeom>
+          <a:noFill/>
+        </p:spPr>
+        <p:txBody>
+          <a:bodyPr wrap="square" lIns="0" tIns="0" rIns="0" bIns="0" rtlCol="0" anchor="ctr">
+            <a:noAutofit/>
+          </a:bodyPr>
+          <a:lstStyle/>
+          <a:p>
+            <a:r>
+              <a:rPr lang="en-US" sz="1200" spc="-50" dirty="0">
+                <a:latin typeface="+mj-lt"/>
+                <a:ea typeface="Cambria Math" panose="02040503050406030204" pitchFamily="18" charset="0"/>
+              </a:rPr>
+              <a:t>A.A. </a:t>
+            </a:r>
+            <a:r>
+              <a:rPr lang="en-US" sz="1200" spc="-50" dirty="0" err="1">
+                <a:latin typeface="+mj-lt"/>
+                <a:ea typeface="Cambria Math" panose="02040503050406030204" pitchFamily="18" charset="0"/>
+              </a:rPr>
+              <a:t>Alenaizan</a:t>
+            </a:r>
+            <a:endParaRPr lang="en-US" sz="1200" spc="-50" dirty="0">
+              <a:latin typeface="+mj-lt"/>
+              <a:ea typeface="Cambria Math" panose="02040503050406030204" pitchFamily="18" charset="0"/>
+            </a:endParaRPr>
+          </a:p>
+        </p:txBody>
+      </p:sp>
+      <p:sp>
+        <p:nvSpPr>
+          <p:cNvPr id="86" name="Oval 85">
+            <a:extLst>
+              <a:ext uri="{FF2B5EF4-FFF2-40B4-BE49-F238E27FC236}">
+                <a16:creationId xmlns:a16="http://schemas.microsoft.com/office/drawing/2014/main" id="{14C4ADCE-ECB2-43E2-8C50-6CEBED0F446F}"/>
+              </a:ext>
+            </a:extLst>
+          </p:cNvPr>
+          <p:cNvSpPr/>
+          <p:nvPr/>
+        </p:nvSpPr>
+        <p:spPr>
+          <a:xfrm>
+            <a:off x="5496638" y="2188627"/>
+            <a:ext cx="731520" cy="731520"/>
+          </a:xfrm>
+          <a:prstGeom prst="ellipse">
+            <a:avLst/>
+          </a:prstGeom>
+          <a:blipFill>
+            <a:blip r:embed="rId31"/>
+            <a:stretch>
+              <a:fillRect/>
+            </a:stretch>
+          </a:blipFill>
+          <a:ln>
+            <a:solidFill>
+              <a:schemeClr val="tx1"/>
+            </a:solidFill>
+          </a:ln>
+        </p:spPr>
+        <p:style>
+          <a:lnRef idx="2">
+            <a:schemeClr val="accent1">
+              <a:shade val="50000"/>
+            </a:schemeClr>
+          </a:lnRef>
+          <a:fillRef idx="1">
+            <a:schemeClr val="accent1"/>
+          </a:fillRef>
+          <a:effectRef idx="0">
+            <a:schemeClr val="accent1"/>
+          </a:effectRef>
+          <a:fontRef idx="minor">
+            <a:schemeClr val="lt1"/>
+          </a:fontRef>
+        </p:style>
+        <p:txBody>
+          <a:bodyPr rtlCol="0" anchor="ctr"/>
+          <a:lstStyle/>
+          <a:p>
+            <a:pPr algn="ctr"/>
+            <a:endParaRPr lang="en-US">
+              <a:latin typeface="+mj-lt"/>
+            </a:endParaRPr>
+          </a:p>
+        </p:txBody>
+      </p:sp>
+      <p:sp>
+        <p:nvSpPr>
+          <p:cNvPr id="87" name="TextBox 86">
+            <a:extLst>
+              <a:ext uri="{FF2B5EF4-FFF2-40B4-BE49-F238E27FC236}">
+                <a16:creationId xmlns:a16="http://schemas.microsoft.com/office/drawing/2014/main" id="{14B0DA02-0463-498E-9CD5-669AA9FDB4DC}"/>
+              </a:ext>
+            </a:extLst>
+          </p:cNvPr>
+          <p:cNvSpPr txBox="1"/>
+          <p:nvPr/>
+        </p:nvSpPr>
+        <p:spPr>
+          <a:xfrm>
+            <a:off x="5404480" y="1855484"/>
+            <a:ext cx="914400" cy="274320"/>
+          </a:xfrm>
+          <a:prstGeom prst="rect">
+            <a:avLst/>
+          </a:prstGeom>
+          <a:noFill/>
+        </p:spPr>
+        <p:txBody>
+          <a:bodyPr wrap="square" lIns="0" tIns="0" rIns="0" bIns="0" rtlCol="0" anchor="ctr">
+            <a:noAutofit/>
+          </a:bodyPr>
+          <a:lstStyle/>
+          <a:p>
+            <a:r>
+              <a:rPr lang="en-US" sz="1200" spc="-50" dirty="0">
+                <a:latin typeface="+mj-lt"/>
+                <a:ea typeface="Cambria Math" panose="02040503050406030204" pitchFamily="18" charset="0"/>
+              </a:rPr>
+              <a:t>D.R. McMillin</a:t>
+            </a:r>
+          </a:p>
+        </p:txBody>
+      </p:sp>
+      <p:sp>
+        <p:nvSpPr>
+          <p:cNvPr id="88" name="Oval 87">
+            <a:extLst>
+              <a:ext uri="{FF2B5EF4-FFF2-40B4-BE49-F238E27FC236}">
+                <a16:creationId xmlns:a16="http://schemas.microsoft.com/office/drawing/2014/main" id="{29F6100A-8D93-4ECD-A266-0DB54B500544}"/>
+              </a:ext>
+            </a:extLst>
+          </p:cNvPr>
+          <p:cNvSpPr/>
+          <p:nvPr/>
+        </p:nvSpPr>
+        <p:spPr>
+          <a:xfrm>
+            <a:off x="5513092" y="3852779"/>
+            <a:ext cx="731520" cy="731520"/>
+          </a:xfrm>
+          <a:prstGeom prst="ellipse">
+            <a:avLst/>
+          </a:prstGeom>
+          <a:blipFill>
+            <a:blip r:embed="rId32">
+              <a:extLst>
+                <a:ext uri="{28A0092B-C50C-407E-A947-70E740481C1C}">
+                  <a14:useLocalDpi xmlns:a14="http://schemas.microsoft.com/office/drawing/2010/main" val="0"/>
+                </a:ext>
+              </a:extLst>
+            </a:blip>
+            <a:stretch>
+              <a:fillRect/>
+            </a:stretch>
+          </a:blipFill>
+          <a:ln>
+            <a:solidFill>
+              <a:schemeClr val="tx1"/>
+            </a:solidFill>
+          </a:ln>
+        </p:spPr>
+        <p:style>
+          <a:lnRef idx="2">
+            <a:schemeClr val="accent1">
+              <a:shade val="50000"/>
+            </a:schemeClr>
+          </a:lnRef>
+          <a:fillRef idx="1">
+            <a:schemeClr val="accent1"/>
+          </a:fillRef>
+          <a:effectRef idx="0">
+            <a:schemeClr val="accent1"/>
+          </a:effectRef>
+          <a:fontRef idx="minor">
+            <a:schemeClr val="lt1"/>
+          </a:fontRef>
+        </p:style>
+        <p:txBody>
+          <a:bodyPr rtlCol="0" anchor="ctr"/>
+          <a:lstStyle/>
+          <a:p>
+            <a:pPr algn="ctr"/>
+            <a:endParaRPr lang="en-US">
+              <a:latin typeface="+mj-lt"/>
+            </a:endParaRPr>
+          </a:p>
+        </p:txBody>
+      </p:sp>
+      <p:sp>
+        <p:nvSpPr>
+          <p:cNvPr id="89" name="TextBox 88">
+            <a:extLst>
+              <a:ext uri="{FF2B5EF4-FFF2-40B4-BE49-F238E27FC236}">
+                <a16:creationId xmlns:a16="http://schemas.microsoft.com/office/drawing/2014/main" id="{D1AEDDC6-4D39-4985-884E-46379151197B}"/>
+              </a:ext>
+            </a:extLst>
+          </p:cNvPr>
+          <p:cNvSpPr txBox="1"/>
+          <p:nvPr/>
+        </p:nvSpPr>
+        <p:spPr>
+          <a:xfrm>
+            <a:off x="5367167" y="4516269"/>
+            <a:ext cx="982984" cy="274320"/>
+          </a:xfrm>
+          <a:prstGeom prst="rect">
+            <a:avLst/>
+          </a:prstGeom>
+          <a:noFill/>
+        </p:spPr>
+        <p:txBody>
+          <a:bodyPr wrap="square" lIns="0" tIns="0" rIns="0" bIns="0" rtlCol="0" anchor="ctr">
+            <a:noAutofit/>
+          </a:bodyPr>
+          <a:lstStyle/>
+          <a:p>
+            <a:pPr algn="ctr"/>
+            <a:r>
+              <a:rPr lang="en-US" sz="1200" spc="-50" dirty="0">
+                <a:latin typeface="+mj-lt"/>
+                <a:ea typeface="Cambria Math" panose="02040503050406030204" pitchFamily="18" charset="0"/>
+              </a:rPr>
+              <a:t>P.K. </a:t>
+            </a:r>
+            <a:r>
+              <a:rPr lang="en-US" sz="1200" spc="-50" dirty="0" err="1">
+                <a:latin typeface="+mj-lt"/>
+                <a:ea typeface="Cambria Math" panose="02040503050406030204" pitchFamily="18" charset="0"/>
+              </a:rPr>
+              <a:t>Gurunathan</a:t>
+            </a:r>
+            <a:endParaRPr lang="en-US" sz="1200" spc="-50" dirty="0">
+              <a:latin typeface="+mj-lt"/>
+              <a:ea typeface="Cambria Math" panose="02040503050406030204" pitchFamily="18" charset="0"/>
+            </a:endParaRPr>
+          </a:p>
+        </p:txBody>
+      </p:sp>
+      <p:sp>
+        <p:nvSpPr>
+          <p:cNvPr id="90" name="Oval 89">
+            <a:extLst>
+              <a:ext uri="{FF2B5EF4-FFF2-40B4-BE49-F238E27FC236}">
+                <a16:creationId xmlns:a16="http://schemas.microsoft.com/office/drawing/2014/main" id="{0C1119B1-4428-452B-BA19-C4CF805D1E6A}"/>
+              </a:ext>
+            </a:extLst>
+          </p:cNvPr>
+          <p:cNvSpPr/>
+          <p:nvPr/>
+        </p:nvSpPr>
+        <p:spPr>
+          <a:xfrm>
+            <a:off x="271512" y="368229"/>
+            <a:ext cx="731520" cy="731520"/>
+          </a:xfrm>
+          <a:prstGeom prst="ellipse">
+            <a:avLst/>
+          </a:prstGeom>
+          <a:blipFill>
+            <a:blip r:embed="rId33">
+              <a:extLst>
+                <a:ext uri="{28A0092B-C50C-407E-A947-70E740481C1C}">
+                  <a14:useLocalDpi xmlns:a14="http://schemas.microsoft.com/office/drawing/2010/main" val="0"/>
+                </a:ext>
+              </a:extLst>
+            </a:blip>
+            <a:stretch>
+              <a:fillRect/>
+            </a:stretch>
+          </a:blipFill>
+          <a:ln>
+            <a:solidFill>
+              <a:schemeClr val="tx1"/>
+            </a:solidFill>
+          </a:ln>
+        </p:spPr>
+        <p:style>
+          <a:lnRef idx="2">
+            <a:schemeClr val="accent1">
+              <a:shade val="50000"/>
+            </a:schemeClr>
+          </a:lnRef>
+          <a:fillRef idx="1">
+            <a:schemeClr val="accent1"/>
+          </a:fillRef>
+          <a:effectRef idx="0">
+            <a:schemeClr val="accent1"/>
+          </a:effectRef>
+          <a:fontRef idx="minor">
+            <a:schemeClr val="lt1"/>
+          </a:fontRef>
+        </p:style>
+        <p:txBody>
+          <a:bodyPr rtlCol="0" anchor="ctr"/>
+          <a:lstStyle/>
+          <a:p>
+            <a:pPr algn="ctr"/>
+            <a:endParaRPr lang="en-US">
+              <a:latin typeface="+mj-lt"/>
+            </a:endParaRPr>
+          </a:p>
+        </p:txBody>
+      </p:sp>
+      <p:sp>
+        <p:nvSpPr>
+          <p:cNvPr id="91" name="Oval 90">
+            <a:extLst>
+              <a:ext uri="{FF2B5EF4-FFF2-40B4-BE49-F238E27FC236}">
+                <a16:creationId xmlns:a16="http://schemas.microsoft.com/office/drawing/2014/main" id="{A7D08545-2DE7-414D-9DE7-40A3ED2465CE}"/>
+              </a:ext>
+            </a:extLst>
+          </p:cNvPr>
+          <p:cNvSpPr/>
+          <p:nvPr/>
+        </p:nvSpPr>
+        <p:spPr>
+          <a:xfrm>
+            <a:off x="5515822" y="4764024"/>
+            <a:ext cx="731520" cy="731520"/>
+          </a:xfrm>
+          <a:prstGeom prst="ellipse">
+            <a:avLst/>
+          </a:prstGeom>
+          <a:blipFill>
+            <a:blip r:embed="rId34"/>
+            <a:stretch>
+              <a:fillRect/>
+            </a:stretch>
+          </a:blipFill>
+          <a:ln>
+            <a:solidFill>
+              <a:schemeClr val="tx1"/>
+            </a:solidFill>
+          </a:ln>
+        </p:spPr>
+        <p:style>
+          <a:lnRef idx="2">
+            <a:schemeClr val="accent1">
+              <a:shade val="50000"/>
+            </a:schemeClr>
+          </a:lnRef>
+          <a:fillRef idx="1">
+            <a:schemeClr val="accent1"/>
+          </a:fillRef>
+          <a:effectRef idx="0">
+            <a:schemeClr val="accent1"/>
+          </a:effectRef>
+          <a:fontRef idx="minor">
+            <a:schemeClr val="lt1"/>
+          </a:fontRef>
+        </p:style>
+        <p:txBody>
+          <a:bodyPr rtlCol="0" anchor="ctr"/>
+          <a:lstStyle/>
+          <a:p>
+            <a:pPr algn="ctr"/>
+            <a:endParaRPr lang="en-US">
+              <a:latin typeface="+mj-lt"/>
+            </a:endParaRPr>
+          </a:p>
+        </p:txBody>
+      </p:sp>
+      <p:sp>
+        <p:nvSpPr>
+          <p:cNvPr id="92" name="TextBox 91">
+            <a:extLst>
+              <a:ext uri="{FF2B5EF4-FFF2-40B4-BE49-F238E27FC236}">
+                <a16:creationId xmlns:a16="http://schemas.microsoft.com/office/drawing/2014/main" id="{3F98B48E-1BAE-4B1F-9919-2B13E7558B71}"/>
+              </a:ext>
+            </a:extLst>
+          </p:cNvPr>
+          <p:cNvSpPr txBox="1"/>
+          <p:nvPr/>
+        </p:nvSpPr>
+        <p:spPr>
+          <a:xfrm>
+            <a:off x="5367528" y="5440680"/>
+            <a:ext cx="982984" cy="274320"/>
+          </a:xfrm>
+          <a:prstGeom prst="rect">
+            <a:avLst/>
+          </a:prstGeom>
+          <a:noFill/>
+        </p:spPr>
+        <p:txBody>
+          <a:bodyPr wrap="square" lIns="0" tIns="0" rIns="0" bIns="0" rtlCol="0" anchor="ctr">
+            <a:noAutofit/>
+          </a:bodyPr>
+          <a:lstStyle/>
+          <a:p>
+            <a:pPr algn="ctr"/>
+            <a:r>
+              <a:rPr lang="en-US" sz="1200" spc="-50" dirty="0">
+                <a:latin typeface="+mj-lt"/>
+                <a:ea typeface="Cambria Math" panose="02040503050406030204" pitchFamily="18" charset="0"/>
+              </a:rPr>
+              <a:t>C.I. </a:t>
+            </a:r>
+            <a:r>
+              <a:rPr lang="en-US" sz="1200" spc="-50" dirty="0" err="1">
+                <a:latin typeface="+mj-lt"/>
+                <a:ea typeface="Cambria Math" panose="02040503050406030204" pitchFamily="18" charset="0"/>
+              </a:rPr>
+              <a:t>Víquez</a:t>
+            </a:r>
+            <a:r>
+              <a:rPr lang="en-US" sz="1200" spc="-50" dirty="0">
+                <a:latin typeface="+mj-lt"/>
+                <a:ea typeface="Cambria Math" panose="02040503050406030204" pitchFamily="18" charset="0"/>
+              </a:rPr>
+              <a:t> Rojas</a:t>
+            </a:r>
+          </a:p>
+        </p:txBody>
+      </p:sp>
+    </p:spTree>
+    <p:extLst>
+      <p:ext uri="{BB962C8B-B14F-4D97-AF65-F5344CB8AC3E}">
+        <p14:creationId xmlns:p14="http://schemas.microsoft.com/office/powerpoint/2010/main" val="437623614"/>
       </p:ext>
     </p:extLst>
   </p:cSld>

--- a/people/People.pptx
+++ b/people/People.pptx
@@ -198,7 +198,7 @@
           <a:p>
             <a:fld id="{8609CB24-F2F5-4D5E-963B-628DC92DC510}" type="datetimeFigureOut">
               <a:rPr lang="es-CO" smtClean="0"/>
-              <a:t>23/11/2020</a:t>
+              <a:t>7/12/2020</a:t>
             </a:fld>
             <a:endParaRPr lang="es-CO"/>
           </a:p>
@@ -781,7 +781,7 @@
           <a:p>
             <a:fld id="{EB1D285E-221C-456E-8E0A-8C017E136439}" type="datetimeFigureOut">
               <a:rPr lang="en-US" smtClean="0"/>
-              <a:t>11/23/2020</a:t>
+              <a:t>12/7/2020</a:t>
             </a:fld>
             <a:endParaRPr lang="en-US"/>
           </a:p>
@@ -979,7 +979,7 @@
           <a:p>
             <a:fld id="{EB1D285E-221C-456E-8E0A-8C017E136439}" type="datetimeFigureOut">
               <a:rPr lang="en-US" smtClean="0"/>
-              <a:t>11/23/2020</a:t>
+              <a:t>12/7/2020</a:t>
             </a:fld>
             <a:endParaRPr lang="en-US"/>
           </a:p>
@@ -1187,7 +1187,7 @@
           <a:p>
             <a:fld id="{EB1D285E-221C-456E-8E0A-8C017E136439}" type="datetimeFigureOut">
               <a:rPr lang="en-US" smtClean="0"/>
-              <a:t>11/23/2020</a:t>
+              <a:t>12/7/2020</a:t>
             </a:fld>
             <a:endParaRPr lang="en-US"/>
           </a:p>
@@ -1385,7 +1385,7 @@
           <a:p>
             <a:fld id="{EB1D285E-221C-456E-8E0A-8C017E136439}" type="datetimeFigureOut">
               <a:rPr lang="en-US" smtClean="0"/>
-              <a:t>11/23/2020</a:t>
+              <a:t>12/7/2020</a:t>
             </a:fld>
             <a:endParaRPr lang="en-US"/>
           </a:p>
@@ -1660,7 +1660,7 @@
           <a:p>
             <a:fld id="{EB1D285E-221C-456E-8E0A-8C017E136439}" type="datetimeFigureOut">
               <a:rPr lang="en-US" smtClean="0"/>
-              <a:t>11/23/2020</a:t>
+              <a:t>12/7/2020</a:t>
             </a:fld>
             <a:endParaRPr lang="en-US"/>
           </a:p>
@@ -1925,7 +1925,7 @@
           <a:p>
             <a:fld id="{EB1D285E-221C-456E-8E0A-8C017E136439}" type="datetimeFigureOut">
               <a:rPr lang="en-US" smtClean="0"/>
-              <a:t>11/23/2020</a:t>
+              <a:t>12/7/2020</a:t>
             </a:fld>
             <a:endParaRPr lang="en-US"/>
           </a:p>
@@ -2337,7 +2337,7 @@
           <a:p>
             <a:fld id="{EB1D285E-221C-456E-8E0A-8C017E136439}" type="datetimeFigureOut">
               <a:rPr lang="en-US" smtClean="0"/>
-              <a:t>11/23/2020</a:t>
+              <a:t>12/7/2020</a:t>
             </a:fld>
             <a:endParaRPr lang="en-US"/>
           </a:p>
@@ -2478,7 +2478,7 @@
           <a:p>
             <a:fld id="{EB1D285E-221C-456E-8E0A-8C017E136439}" type="datetimeFigureOut">
               <a:rPr lang="en-US" smtClean="0"/>
-              <a:t>11/23/2020</a:t>
+              <a:t>12/7/2020</a:t>
             </a:fld>
             <a:endParaRPr lang="en-US"/>
           </a:p>
@@ -2591,7 +2591,7 @@
           <a:p>
             <a:fld id="{EB1D285E-221C-456E-8E0A-8C017E136439}" type="datetimeFigureOut">
               <a:rPr lang="en-US" smtClean="0"/>
-              <a:t>11/23/2020</a:t>
+              <a:t>12/7/2020</a:t>
             </a:fld>
             <a:endParaRPr lang="en-US"/>
           </a:p>
@@ -2902,7 +2902,7 @@
           <a:p>
             <a:fld id="{EB1D285E-221C-456E-8E0A-8C017E136439}" type="datetimeFigureOut">
               <a:rPr lang="en-US" smtClean="0"/>
-              <a:t>11/23/2020</a:t>
+              <a:t>12/7/2020</a:t>
             </a:fld>
             <a:endParaRPr lang="en-US"/>
           </a:p>
@@ -3190,7 +3190,7 @@
           <a:p>
             <a:fld id="{EB1D285E-221C-456E-8E0A-8C017E136439}" type="datetimeFigureOut">
               <a:rPr lang="en-US" smtClean="0"/>
-              <a:t>11/23/2020</a:t>
+              <a:t>12/7/2020</a:t>
             </a:fld>
             <a:endParaRPr lang="en-US"/>
           </a:p>
@@ -3431,7 +3431,7 @@
           <a:p>
             <a:fld id="{EB1D285E-221C-456E-8E0A-8C017E136439}" type="datetimeFigureOut">
               <a:rPr lang="en-US" smtClean="0"/>
-              <a:t>11/23/2020</a:t>
+              <a:t>12/7/2020</a:t>
             </a:fld>
             <a:endParaRPr lang="en-US"/>
           </a:p>
@@ -5382,7 +5382,7 @@
                 <a:latin typeface="+mj-lt"/>
                 <a:ea typeface="Cambria Math" panose="02040503050406030204" pitchFamily="18" charset="0"/>
               </a:rPr>
-              <a:t>2020 –</a:t>
+              <a:t>2020 – 2021</a:t>
             </a:r>
           </a:p>
         </p:txBody>
